--- a/WeeklyStudy/HTML_정가영.pptx
+++ b/WeeklyStudy/HTML_정가영.pptx
@@ -19,12 +19,12 @@
     <p:sldId id="335" r:id="rId10"/>
     <p:sldId id="341" r:id="rId11"/>
     <p:sldId id="336" r:id="rId12"/>
-    <p:sldId id="331" r:id="rId13"/>
-    <p:sldId id="338" r:id="rId14"/>
-    <p:sldId id="333" r:id="rId15"/>
-    <p:sldId id="339" r:id="rId16"/>
-    <p:sldId id="328" r:id="rId17"/>
-    <p:sldId id="337" r:id="rId18"/>
+    <p:sldId id="337" r:id="rId13"/>
+    <p:sldId id="331" r:id="rId14"/>
+    <p:sldId id="338" r:id="rId15"/>
+    <p:sldId id="333" r:id="rId16"/>
+    <p:sldId id="339" r:id="rId17"/>
+    <p:sldId id="328" r:id="rId18"/>
     <p:sldId id="325" r:id="rId19"/>
     <p:sldId id="327" r:id="rId20"/>
     <p:sldId id="342" r:id="rId21"/>
@@ -232,7 +232,7 @@
           <a:p>
             <a:fld id="{DA329312-B8C7-4358-A123-B7AE5801F004}" type="datetimeFigureOut">
               <a:rPr lang="ko-KR" altLang="en-US" smtClean="0"/>
-              <a:t>2022-05-05</a:t>
+              <a:t>2022-05-06</a:t>
             </a:fld>
             <a:endParaRPr lang="ko-KR" altLang="en-US"/>
           </a:p>
@@ -646,7 +646,7 @@
           <a:p>
             <a:fld id="{A4337A82-9FC7-49BA-A38F-7FE6CE469E70}" type="datetimeFigureOut">
               <a:rPr lang="ko-KR" altLang="en-US" smtClean="0"/>
-              <a:t>2022-05-05</a:t>
+              <a:t>2022-05-06</a:t>
             </a:fld>
             <a:endParaRPr lang="ko-KR" altLang="en-US"/>
           </a:p>
@@ -844,7 +844,7 @@
           <a:p>
             <a:fld id="{A4337A82-9FC7-49BA-A38F-7FE6CE469E70}" type="datetimeFigureOut">
               <a:rPr lang="ko-KR" altLang="en-US" smtClean="0"/>
-              <a:t>2022-05-05</a:t>
+              <a:t>2022-05-06</a:t>
             </a:fld>
             <a:endParaRPr lang="ko-KR" altLang="en-US"/>
           </a:p>
@@ -1052,7 +1052,7 @@
           <a:p>
             <a:fld id="{A4337A82-9FC7-49BA-A38F-7FE6CE469E70}" type="datetimeFigureOut">
               <a:rPr lang="ko-KR" altLang="en-US" smtClean="0"/>
-              <a:t>2022-05-05</a:t>
+              <a:t>2022-05-06</a:t>
             </a:fld>
             <a:endParaRPr lang="ko-KR" altLang="en-US"/>
           </a:p>
@@ -1250,7 +1250,7 @@
           <a:p>
             <a:fld id="{A4337A82-9FC7-49BA-A38F-7FE6CE469E70}" type="datetimeFigureOut">
               <a:rPr lang="ko-KR" altLang="en-US" smtClean="0"/>
-              <a:t>2022-05-05</a:t>
+              <a:t>2022-05-06</a:t>
             </a:fld>
             <a:endParaRPr lang="ko-KR" altLang="en-US"/>
           </a:p>
@@ -1525,7 +1525,7 @@
           <a:p>
             <a:fld id="{A4337A82-9FC7-49BA-A38F-7FE6CE469E70}" type="datetimeFigureOut">
               <a:rPr lang="ko-KR" altLang="en-US" smtClean="0"/>
-              <a:t>2022-05-05</a:t>
+              <a:t>2022-05-06</a:t>
             </a:fld>
             <a:endParaRPr lang="ko-KR" altLang="en-US"/>
           </a:p>
@@ -1790,7 +1790,7 @@
           <a:p>
             <a:fld id="{A4337A82-9FC7-49BA-A38F-7FE6CE469E70}" type="datetimeFigureOut">
               <a:rPr lang="ko-KR" altLang="en-US" smtClean="0"/>
-              <a:t>2022-05-05</a:t>
+              <a:t>2022-05-06</a:t>
             </a:fld>
             <a:endParaRPr lang="ko-KR" altLang="en-US"/>
           </a:p>
@@ -2202,7 +2202,7 @@
           <a:p>
             <a:fld id="{A4337A82-9FC7-49BA-A38F-7FE6CE469E70}" type="datetimeFigureOut">
               <a:rPr lang="ko-KR" altLang="en-US" smtClean="0"/>
-              <a:t>2022-05-05</a:t>
+              <a:t>2022-05-06</a:t>
             </a:fld>
             <a:endParaRPr lang="ko-KR" altLang="en-US"/>
           </a:p>
@@ -2343,7 +2343,7 @@
           <a:p>
             <a:fld id="{A4337A82-9FC7-49BA-A38F-7FE6CE469E70}" type="datetimeFigureOut">
               <a:rPr lang="ko-KR" altLang="en-US" smtClean="0"/>
-              <a:t>2022-05-05</a:t>
+              <a:t>2022-05-06</a:t>
             </a:fld>
             <a:endParaRPr lang="ko-KR" altLang="en-US"/>
           </a:p>
@@ -2456,7 +2456,7 @@
           <a:p>
             <a:fld id="{A4337A82-9FC7-49BA-A38F-7FE6CE469E70}" type="datetimeFigureOut">
               <a:rPr lang="ko-KR" altLang="en-US" smtClean="0"/>
-              <a:t>2022-05-05</a:t>
+              <a:t>2022-05-06</a:t>
             </a:fld>
             <a:endParaRPr lang="ko-KR" altLang="en-US"/>
           </a:p>
@@ -2767,7 +2767,7 @@
           <a:p>
             <a:fld id="{A4337A82-9FC7-49BA-A38F-7FE6CE469E70}" type="datetimeFigureOut">
               <a:rPr lang="ko-KR" altLang="en-US" smtClean="0"/>
-              <a:t>2022-05-05</a:t>
+              <a:t>2022-05-06</a:t>
             </a:fld>
             <a:endParaRPr lang="ko-KR" altLang="en-US"/>
           </a:p>
@@ -3055,7 +3055,7 @@
           <a:p>
             <a:fld id="{A4337A82-9FC7-49BA-A38F-7FE6CE469E70}" type="datetimeFigureOut">
               <a:rPr lang="ko-KR" altLang="en-US" smtClean="0"/>
-              <a:t>2022-05-05</a:t>
+              <a:t>2022-05-06</a:t>
             </a:fld>
             <a:endParaRPr lang="ko-KR" altLang="en-US"/>
           </a:p>
@@ -3296,7 +3296,7 @@
           <a:p>
             <a:fld id="{A4337A82-9FC7-49BA-A38F-7FE6CE469E70}" type="datetimeFigureOut">
               <a:rPr lang="ko-KR" altLang="en-US" smtClean="0"/>
-              <a:t>2022-05-05</a:t>
+              <a:t>2022-05-06</a:t>
             </a:fld>
             <a:endParaRPr lang="ko-KR" altLang="en-US"/>
           </a:p>
@@ -5901,12 +5901,8 @@
           <a:lstStyle/>
           <a:p>
             <a:r>
-              <a:rPr lang="ko-KR" altLang="en-US" sz="2400" b="1" dirty="0" err="1"/>
-              <a:t>노드간의</a:t>
-            </a:r>
-            <a:r>
               <a:rPr lang="ko-KR" altLang="en-US" sz="2400" b="1" dirty="0"/>
-              <a:t> 관계 </a:t>
+              <a:t>노드 간의 관계 </a:t>
             </a:r>
           </a:p>
         </p:txBody>
@@ -7718,17 +7714,7 @@
                 <a:effectLst/>
                 <a:latin typeface="-apple-system"/>
               </a:rPr>
-              <a:t>스타일시트에 </a:t>
-            </a:r>
-            <a:r>
-              <a:rPr lang="ko-KR" altLang="en-US" sz="1600" b="0" i="0" dirty="0" err="1">
-                <a:solidFill>
-                  <a:srgbClr val="212529"/>
-                </a:solidFill>
-                <a:effectLst/>
-                <a:latin typeface="-apple-system"/>
-              </a:rPr>
-              <a:t>접근할수있다</a:t>
+              <a:t>스타일시트에 접근 가능</a:t>
             </a:r>
             <a:endParaRPr lang="en-US" altLang="ko-KR" sz="1600" b="0" i="0" dirty="0">
               <a:solidFill>
@@ -7942,7 +7928,7 @@
         </p:nvGrpSpPr>
         <p:grpSpPr>
           <a:xfrm>
-            <a:off x="799019" y="168227"/>
+            <a:off x="799019" y="203397"/>
             <a:ext cx="10736921" cy="6307846"/>
             <a:chOff x="799019" y="274573"/>
             <a:chExt cx="10736921" cy="6307846"/>
@@ -8474,7 +8460,7 @@
           <p:cNvPr id="2" name="TextBox 1">
             <a:extLst>
               <a:ext uri="{FF2B5EF4-FFF2-40B4-BE49-F238E27FC236}">
-                <a16:creationId xmlns:a16="http://schemas.microsoft.com/office/drawing/2014/main" id="{E894F97F-C073-7F6D-9F7B-CCE539AE50CB}"/>
+                <a16:creationId xmlns:a16="http://schemas.microsoft.com/office/drawing/2014/main" id="{435979CB-D59E-88B4-8A19-AF2C3018A07B}"/>
               </a:ext>
             </a:extLst>
           </p:cNvPr>
@@ -8483,8 +8469,8 @@
         </p:nvSpPr>
         <p:spPr>
           <a:xfrm>
-            <a:off x="1125942" y="1105419"/>
-            <a:ext cx="9881100" cy="11572399"/>
+            <a:off x="1654628" y="1418195"/>
+            <a:ext cx="6444342" cy="2585323"/>
           </a:xfrm>
           <a:prstGeom prst="rect">
             <a:avLst/>
@@ -8498,656 +8484,94 @@
           <a:lstStyle/>
           <a:p>
             <a:r>
-              <a:rPr lang="en-US" altLang="ko-KR" sz="2400" b="1" dirty="0"/>
-              <a:t>DOM </a:t>
-            </a:r>
-            <a:r>
-              <a:rPr lang="ko-KR" altLang="en-US" sz="2400" b="1" dirty="0"/>
-              <a:t>조작하기 </a:t>
+              <a:rPr lang="ko-KR" altLang="en-US" dirty="0"/>
+              <a:t>문서 객체의 종류 </a:t>
             </a:r>
             <a:endParaRPr lang="en-US" altLang="ko-KR" dirty="0"/>
           </a:p>
           <a:p>
-            <a:pPr marL="285750" indent="-285750">
-              <a:buFont typeface="Arial" panose="020B0604020202020204" pitchFamily="34" charset="0"/>
-              <a:buChar char="•"/>
-            </a:pPr>
+            <a:endParaRPr lang="en-US" altLang="ko-KR" dirty="0"/>
+          </a:p>
+          <a:p>
+            <a:r>
+              <a:rPr lang="ko-KR" altLang="en-US" dirty="0"/>
+              <a:t>정적 문서 객체</a:t>
+            </a:r>
             <a:r>
               <a:rPr lang="en-US" altLang="ko-KR" dirty="0"/>
-              <a:t>document </a:t>
+              <a:t>? </a:t>
+            </a:r>
+          </a:p>
+          <a:p>
+            <a:r>
+              <a:rPr lang="en-US" altLang="ko-KR" dirty="0"/>
+              <a:t>	</a:t>
             </a:r>
             <a:r>
               <a:rPr lang="ko-KR" altLang="en-US" dirty="0"/>
-              <a:t>객체의 여러 속성과 메서드를 활용하고 다룰 수 있는 것을 의미</a:t>
-            </a:r>
+              <a:t>원본 </a:t>
+            </a:r>
+            <a:r>
+              <a:rPr lang="en-US" altLang="ko-KR" dirty="0"/>
+              <a:t>html </a:t>
+            </a:r>
+            <a:r>
+              <a:rPr lang="ko-KR" altLang="en-US" dirty="0"/>
+              <a:t>문서에 있는 객체들 </a:t>
+            </a:r>
+            <a:r>
+              <a:rPr lang="en-US" altLang="ko-KR" dirty="0"/>
+              <a:t> </a:t>
+            </a:r>
+          </a:p>
+          <a:p>
             <a:endParaRPr lang="en-US" altLang="ko-KR" dirty="0"/>
           </a:p>
           <a:p>
-            <a:pPr marL="285750" indent="-285750">
-              <a:buFont typeface="Arial" panose="020B0604020202020204" pitchFamily="34" charset="0"/>
-              <a:buChar char="•"/>
-            </a:pPr>
-            <a:endParaRPr lang="en-US" altLang="ko-KR" dirty="0"/>
-          </a:p>
-          <a:p>
-            <a:pPr marL="285750" indent="-285750">
-              <a:buFont typeface="Arial" panose="020B0604020202020204" pitchFamily="34" charset="0"/>
-              <a:buChar char="•"/>
-            </a:pPr>
             <a:r>
               <a:rPr lang="ko-KR" altLang="en-US" dirty="0"/>
-              <a:t>관련 메서드를 활용해 새로운 노드를 생성</a:t>
+              <a:t>동적 문서 객체</a:t>
             </a:r>
             <a:r>
               <a:rPr lang="en-US" altLang="ko-KR" dirty="0"/>
-              <a:t>, </a:t>
+              <a:t>? </a:t>
+            </a:r>
+          </a:p>
+          <a:p>
+            <a:r>
+              <a:rPr lang="en-US" altLang="ko-KR" dirty="0"/>
+              <a:t>	DOM</a:t>
             </a:r>
             <a:r>
               <a:rPr lang="ko-KR" altLang="en-US" dirty="0"/>
-              <a:t>삭제</a:t>
+              <a:t>으로 생성한 객체들</a:t>
             </a:r>
             <a:r>
               <a:rPr lang="en-US" altLang="ko-KR" dirty="0"/>
-              <a:t>, </a:t>
-            </a:r>
-            <a:r>
-              <a:rPr lang="ko-KR" altLang="en-US" dirty="0"/>
-              <a:t>갱신 가능</a:t>
-            </a:r>
+              <a:t>.</a:t>
+            </a:r>
+          </a:p>
+          <a:p>
             <a:r>
               <a:rPr lang="en-US" altLang="ko-KR" dirty="0"/>
-              <a:t>. </a:t>
-            </a:r>
-          </a:p>
-          <a:p>
-            <a:endParaRPr lang="en-US" altLang="ko-KR" dirty="0"/>
+              <a:t>	 </a:t>
+            </a:r>
           </a:p>
           <a:p>
             <a:r>
               <a:rPr lang="en-US" altLang="ko-KR" dirty="0"/>
-              <a:t>CREATE</a:t>
-            </a:r>
-            <a:r>
-              <a:rPr lang="ko-KR" altLang="en-US" dirty="0"/>
-              <a:t> </a:t>
-            </a:r>
-            <a:r>
-              <a:rPr lang="en-US" altLang="ko-KR" dirty="0"/>
-              <a:t>: </a:t>
-            </a:r>
-            <a:r>
-              <a:rPr lang="en-US" altLang="ko-KR" dirty="0" err="1"/>
-              <a:t>document.createElement</a:t>
-            </a:r>
-            <a:r>
-              <a:rPr lang="en-US" altLang="ko-KR" dirty="0"/>
-              <a:t>(‘</a:t>
-            </a:r>
-            <a:r>
-              <a:rPr lang="ko-KR" altLang="en-US" dirty="0"/>
-              <a:t>태그이름</a:t>
-            </a:r>
-            <a:r>
-              <a:rPr lang="en-US" altLang="ko-KR" dirty="0"/>
-              <a:t>’)</a:t>
-            </a:r>
-          </a:p>
-          <a:p>
-            <a:endParaRPr lang="en-US" altLang="ko-KR" dirty="0"/>
-          </a:p>
-          <a:p>
-            <a:r>
-              <a:rPr lang="en-US" altLang="ko-KR" dirty="0"/>
-              <a:t>Append </a:t>
-            </a:r>
-            <a:r>
-              <a:rPr lang="ko-KR" altLang="en-US" dirty="0"/>
-              <a:t>메서드를 활용해 생성한 </a:t>
-            </a:r>
-            <a:r>
-              <a:rPr lang="en-US" altLang="ko-KR" dirty="0" err="1"/>
-              <a:t>dom</a:t>
-            </a:r>
-            <a:r>
-              <a:rPr lang="ko-KR" altLang="en-US" dirty="0"/>
-              <a:t>을 </a:t>
-            </a:r>
-            <a:r>
-              <a:rPr lang="en-US" altLang="ko-KR" dirty="0"/>
-              <a:t>html</a:t>
-            </a:r>
-            <a:r>
-              <a:rPr lang="ko-KR" altLang="en-US" dirty="0"/>
-              <a:t>에 </a:t>
-            </a:r>
-            <a:r>
-              <a:rPr lang="ko-KR" altLang="en-US" dirty="0" err="1"/>
-              <a:t>구현시킬</a:t>
-            </a:r>
-            <a:r>
-              <a:rPr lang="ko-KR" altLang="en-US" dirty="0"/>
-              <a:t> 수 있음</a:t>
-            </a:r>
-            <a:endParaRPr lang="en-US" altLang="ko-KR" dirty="0"/>
-          </a:p>
-          <a:p>
-            <a:r>
-              <a:rPr lang="en-US" altLang="ko-KR" dirty="0"/>
-              <a:t>	- append, </a:t>
-            </a:r>
-            <a:r>
-              <a:rPr lang="en-US" altLang="ko-KR" dirty="0" err="1"/>
-              <a:t>appendChild</a:t>
-            </a:r>
-            <a:r>
-              <a:rPr lang="en-US" altLang="ko-KR" dirty="0"/>
-              <a:t> : </a:t>
-            </a:r>
-          </a:p>
-          <a:p>
-            <a:r>
-              <a:rPr lang="en-US" altLang="ko-KR" dirty="0" err="1"/>
-              <a:t>document.body.append</a:t>
-            </a:r>
-            <a:r>
-              <a:rPr lang="en-US" altLang="ko-KR" dirty="0"/>
-              <a:t>(‘</a:t>
-            </a:r>
-            <a:r>
-              <a:rPr lang="ko-KR" altLang="en-US" dirty="0"/>
-              <a:t>추가할 태그</a:t>
-            </a:r>
-            <a:r>
-              <a:rPr lang="en-US" altLang="ko-KR" dirty="0"/>
-              <a:t>’)</a:t>
-            </a:r>
-          </a:p>
-          <a:p>
-            <a:r>
-              <a:rPr lang="en-US" altLang="ko-KR" dirty="0"/>
-              <a:t>	- </a:t>
-            </a:r>
-            <a:r>
-              <a:rPr lang="en-US" altLang="ko-KR" dirty="0" err="1"/>
-              <a:t>insertBefore</a:t>
-            </a:r>
-            <a:r>
-              <a:rPr lang="en-US" altLang="ko-KR" dirty="0"/>
-              <a:t>()  </a:t>
-            </a:r>
-            <a:r>
-              <a:rPr lang="ko-KR" altLang="en-US" dirty="0"/>
-              <a:t>기준이 되는 자식 노드 앞에 새로운 자식 노드를 추가 </a:t>
-            </a:r>
-            <a:endParaRPr lang="en-US" altLang="ko-KR" dirty="0"/>
-          </a:p>
-          <a:p>
-            <a:endParaRPr lang="en-US" altLang="ko-KR" b="0" i="0" dirty="0">
-              <a:solidFill>
-                <a:srgbClr val="575757"/>
-              </a:solidFill>
-              <a:effectLst/>
-              <a:latin typeface="Nanum Gothic Coding"/>
-            </a:endParaRPr>
-          </a:p>
-          <a:p>
-            <a:endParaRPr lang="en-US" altLang="ko-KR" dirty="0">
-              <a:solidFill>
-                <a:srgbClr val="575757"/>
-              </a:solidFill>
-              <a:latin typeface="Nanum Gothic Coding"/>
-            </a:endParaRPr>
-          </a:p>
-          <a:p>
-            <a:endParaRPr lang="en-US" altLang="ko-KR" b="0" i="0" dirty="0">
-              <a:solidFill>
-                <a:srgbClr val="575757"/>
-              </a:solidFill>
-              <a:effectLst/>
-              <a:latin typeface="Nanum Gothic Coding"/>
-            </a:endParaRPr>
-          </a:p>
-          <a:p>
-            <a:endParaRPr lang="en-US" altLang="ko-KR" dirty="0">
-              <a:solidFill>
-                <a:srgbClr val="575757"/>
-              </a:solidFill>
-              <a:latin typeface="Nanum Gothic Coding"/>
-            </a:endParaRPr>
-          </a:p>
-          <a:p>
-            <a:endParaRPr lang="en-US" altLang="ko-KR" b="0" i="0" dirty="0">
-              <a:solidFill>
-                <a:srgbClr val="575757"/>
-              </a:solidFill>
-              <a:effectLst/>
-              <a:latin typeface="Nanum Gothic Coding"/>
-            </a:endParaRPr>
-          </a:p>
-          <a:p>
-            <a:endParaRPr lang="en-US" altLang="ko-KR" dirty="0">
-              <a:solidFill>
-                <a:srgbClr val="575757"/>
-              </a:solidFill>
-              <a:latin typeface="Nanum Gothic Coding"/>
-            </a:endParaRPr>
-          </a:p>
-          <a:p>
-            <a:endParaRPr lang="en-US" altLang="ko-KR" b="0" i="0" dirty="0">
-              <a:solidFill>
-                <a:srgbClr val="575757"/>
-              </a:solidFill>
-              <a:effectLst/>
-              <a:latin typeface="Nanum Gothic Coding"/>
-            </a:endParaRPr>
-          </a:p>
-          <a:p>
-            <a:endParaRPr lang="en-US" altLang="ko-KR" dirty="0">
-              <a:solidFill>
-                <a:srgbClr val="575757"/>
-              </a:solidFill>
-              <a:latin typeface="Nanum Gothic Coding"/>
-            </a:endParaRPr>
-          </a:p>
-          <a:p>
-            <a:endParaRPr lang="en-US" altLang="ko-KR" b="0" i="0" dirty="0">
-              <a:solidFill>
-                <a:srgbClr val="575757"/>
-              </a:solidFill>
-              <a:effectLst/>
-              <a:latin typeface="Nanum Gothic Coding"/>
-            </a:endParaRPr>
-          </a:p>
-          <a:p>
-            <a:endParaRPr lang="en-US" altLang="ko-KR" dirty="0">
-              <a:solidFill>
-                <a:srgbClr val="575757"/>
-              </a:solidFill>
-              <a:latin typeface="Nanum Gothic Coding"/>
-            </a:endParaRPr>
-          </a:p>
-          <a:p>
-            <a:endParaRPr lang="en-US" altLang="ko-KR" b="0" i="0" dirty="0">
-              <a:solidFill>
-                <a:srgbClr val="575757"/>
-              </a:solidFill>
-              <a:effectLst/>
-              <a:latin typeface="Nanum Gothic Coding"/>
-            </a:endParaRPr>
-          </a:p>
-          <a:p>
-            <a:endParaRPr lang="en-US" altLang="ko-KR" dirty="0">
-              <a:solidFill>
-                <a:srgbClr val="575757"/>
-              </a:solidFill>
-              <a:latin typeface="Nanum Gothic Coding"/>
-            </a:endParaRPr>
-          </a:p>
-          <a:p>
-            <a:endParaRPr lang="en-US" altLang="ko-KR" b="0" i="0" dirty="0">
-              <a:solidFill>
-                <a:srgbClr val="575757"/>
-              </a:solidFill>
-              <a:effectLst/>
-              <a:latin typeface="Nanum Gothic Coding"/>
-            </a:endParaRPr>
-          </a:p>
-          <a:p>
-            <a:endParaRPr lang="en-US" altLang="ko-KR" b="0" i="0" dirty="0">
-              <a:solidFill>
-                <a:srgbClr val="575757"/>
-              </a:solidFill>
-              <a:effectLst/>
-              <a:latin typeface="Nanum Gothic Coding"/>
-            </a:endParaRPr>
-          </a:p>
-          <a:p>
-            <a:r>
-              <a:rPr lang="ko-KR" altLang="en-US" sz="1400" b="0" i="0" dirty="0" err="1">
-                <a:solidFill>
-                  <a:srgbClr val="575757"/>
-                </a:solidFill>
-                <a:effectLst/>
-                <a:latin typeface="Nanum Gothic Coding"/>
-              </a:rPr>
-              <a:t>부모노드</a:t>
-            </a:r>
-            <a:r>
-              <a:rPr lang="en-US" altLang="ko-KR" sz="1400" b="0" i="0" dirty="0">
-                <a:solidFill>
-                  <a:srgbClr val="575757"/>
-                </a:solidFill>
-                <a:effectLst/>
-                <a:latin typeface="Nanum Gothic Coding"/>
-              </a:rPr>
-              <a:t>.</a:t>
-            </a:r>
-            <a:r>
-              <a:rPr lang="en-US" altLang="ko-KR" sz="1400" b="0" i="0" dirty="0" err="1">
-                <a:solidFill>
-                  <a:srgbClr val="693A17"/>
-                </a:solidFill>
-                <a:effectLst/>
-                <a:latin typeface="Nanum Gothic Coding"/>
-              </a:rPr>
-              <a:t>insertBefore</a:t>
-            </a:r>
-            <a:r>
-              <a:rPr lang="en-US" altLang="ko-KR" sz="1400" b="0" i="0" dirty="0">
-                <a:solidFill>
-                  <a:srgbClr val="575757"/>
-                </a:solidFill>
-                <a:effectLst/>
-                <a:latin typeface="Nanum Gothic Coding"/>
-              </a:rPr>
-              <a:t>(</a:t>
-            </a:r>
-            <a:r>
-              <a:rPr lang="ko-KR" altLang="en-US" sz="1400" b="0" i="0" dirty="0">
-                <a:solidFill>
-                  <a:srgbClr val="575757"/>
-                </a:solidFill>
-                <a:effectLst/>
-                <a:latin typeface="Nanum Gothic Coding"/>
-              </a:rPr>
-              <a:t>새로운 </a:t>
-            </a:r>
-            <a:r>
-              <a:rPr lang="ko-KR" altLang="en-US" sz="1400" b="0" i="0" dirty="0" err="1">
-                <a:solidFill>
-                  <a:srgbClr val="575757"/>
-                </a:solidFill>
-                <a:effectLst/>
-                <a:latin typeface="Nanum Gothic Coding"/>
-              </a:rPr>
-              <a:t>자식노드</a:t>
-            </a:r>
-            <a:r>
-              <a:rPr lang="en-US" altLang="ko-KR" sz="1400" b="0" i="0" dirty="0">
-                <a:solidFill>
-                  <a:srgbClr val="575757"/>
-                </a:solidFill>
-                <a:effectLst/>
-                <a:latin typeface="Nanum Gothic Coding"/>
-              </a:rPr>
-              <a:t>, </a:t>
-            </a:r>
-            <a:r>
-              <a:rPr lang="ko-KR" altLang="en-US" sz="1400" b="0" i="0" dirty="0">
-                <a:solidFill>
-                  <a:srgbClr val="575757"/>
-                </a:solidFill>
-                <a:effectLst/>
-                <a:latin typeface="Nanum Gothic Coding"/>
-              </a:rPr>
-              <a:t>기준 </a:t>
-            </a:r>
-            <a:r>
-              <a:rPr lang="ko-KR" altLang="en-US" sz="1400" b="0" i="0" dirty="0" err="1">
-                <a:solidFill>
-                  <a:srgbClr val="575757"/>
-                </a:solidFill>
-                <a:effectLst/>
-                <a:latin typeface="Nanum Gothic Coding"/>
-              </a:rPr>
-              <a:t>자식노드</a:t>
-            </a:r>
-            <a:r>
-              <a:rPr lang="en-US" altLang="ko-KR" sz="1400" b="0" i="0" dirty="0">
-                <a:solidFill>
-                  <a:srgbClr val="575757"/>
-                </a:solidFill>
-                <a:effectLst/>
-                <a:latin typeface="Nanum Gothic Coding"/>
-              </a:rPr>
-              <a:t>);</a:t>
-            </a:r>
-          </a:p>
-          <a:p>
-            <a:r>
-              <a:rPr lang="en-US" altLang="ko-KR" sz="1400" dirty="0" err="1">
-                <a:solidFill>
-                  <a:srgbClr val="575757"/>
-                </a:solidFill>
-                <a:latin typeface="Nanum Gothic Coding"/>
-              </a:rPr>
-              <a:t>insertData</a:t>
-            </a:r>
-            <a:r>
-              <a:rPr lang="en-US" altLang="ko-KR" sz="1400" dirty="0">
-                <a:solidFill>
-                  <a:srgbClr val="575757"/>
-                </a:solidFill>
-                <a:latin typeface="Nanum Gothic Coding"/>
-              </a:rPr>
-              <a:t>()</a:t>
-            </a:r>
-            <a:r>
-              <a:rPr lang="ko-KR" altLang="en-US" sz="1400" dirty="0">
-                <a:solidFill>
-                  <a:srgbClr val="575757"/>
-                </a:solidFill>
-                <a:latin typeface="Nanum Gothic Coding"/>
-              </a:rPr>
-              <a:t> </a:t>
-            </a:r>
-            <a:r>
-              <a:rPr lang="ko-KR" altLang="en-US" sz="1400" b="0" i="0" dirty="0">
-                <a:solidFill>
-                  <a:srgbClr val="575757"/>
-                </a:solidFill>
-                <a:effectLst/>
-                <a:latin typeface="notokr"/>
-              </a:rPr>
-              <a:t>텍스트 노드의 텍스트 데이터에 새로운 텍스트를 추가</a:t>
-            </a:r>
-            <a:endParaRPr lang="en-US" altLang="ko-KR" sz="1400" b="0" i="0" dirty="0">
-              <a:solidFill>
-                <a:srgbClr val="575757"/>
-              </a:solidFill>
-              <a:effectLst/>
-              <a:latin typeface="notokr"/>
-            </a:endParaRPr>
-          </a:p>
-          <a:p>
-            <a:r>
-              <a:rPr lang="ko-KR" altLang="en-US" sz="1400" b="0" i="0" dirty="0" err="1">
-                <a:solidFill>
-                  <a:srgbClr val="575757"/>
-                </a:solidFill>
-                <a:effectLst/>
-                <a:latin typeface="Nanum Gothic Coding"/>
-              </a:rPr>
-              <a:t>텍스트노드</a:t>
-            </a:r>
-            <a:r>
-              <a:rPr lang="en-US" altLang="ko-KR" sz="1400" b="0" i="0" dirty="0">
-                <a:solidFill>
-                  <a:srgbClr val="575757"/>
-                </a:solidFill>
-                <a:effectLst/>
-                <a:latin typeface="Nanum Gothic Coding"/>
-              </a:rPr>
-              <a:t>.</a:t>
-            </a:r>
-            <a:r>
-              <a:rPr lang="en-US" altLang="ko-KR" sz="1400" b="0" i="0" dirty="0" err="1">
-                <a:solidFill>
-                  <a:srgbClr val="575757"/>
-                </a:solidFill>
-                <a:effectLst/>
-                <a:latin typeface="Nanum Gothic Coding"/>
-              </a:rPr>
-              <a:t>insertData</a:t>
-            </a:r>
-            <a:r>
-              <a:rPr lang="en-US" altLang="ko-KR" sz="1400" b="0" i="0" dirty="0">
-                <a:solidFill>
-                  <a:srgbClr val="575757"/>
-                </a:solidFill>
-                <a:effectLst/>
-                <a:latin typeface="Nanum Gothic Coding"/>
-              </a:rPr>
-              <a:t>(</a:t>
-            </a:r>
-            <a:r>
-              <a:rPr lang="ko-KR" altLang="en-US" sz="1400" b="0" i="0" dirty="0">
-                <a:solidFill>
-                  <a:srgbClr val="575757"/>
-                </a:solidFill>
-                <a:effectLst/>
-                <a:latin typeface="Nanum Gothic Coding"/>
-              </a:rPr>
-              <a:t>오프셋</a:t>
-            </a:r>
-            <a:r>
-              <a:rPr lang="en-US" altLang="ko-KR" sz="1400" b="0" i="0" dirty="0">
-                <a:solidFill>
-                  <a:srgbClr val="575757"/>
-                </a:solidFill>
-                <a:effectLst/>
-                <a:latin typeface="Nanum Gothic Coding"/>
-              </a:rPr>
-              <a:t>, </a:t>
-            </a:r>
-            <a:r>
-              <a:rPr lang="ko-KR" altLang="en-US" sz="1400" b="0" i="0" dirty="0" err="1">
-                <a:solidFill>
-                  <a:srgbClr val="575757"/>
-                </a:solidFill>
-                <a:effectLst/>
-                <a:latin typeface="Nanum Gothic Coding"/>
-              </a:rPr>
-              <a:t>새로운데이터</a:t>
-            </a:r>
-            <a:r>
-              <a:rPr lang="en-US" altLang="ko-KR" sz="1400" b="0" i="0" dirty="0">
-                <a:solidFill>
-                  <a:srgbClr val="575757"/>
-                </a:solidFill>
-                <a:effectLst/>
-                <a:latin typeface="Nanum Gothic Coding"/>
-              </a:rPr>
-              <a:t>);</a:t>
-            </a:r>
-          </a:p>
-          <a:p>
-            <a:r>
-              <a:rPr lang="ko-KR" altLang="en-US" sz="1400" b="0" i="0" dirty="0">
-                <a:solidFill>
-                  <a:srgbClr val="575757"/>
-                </a:solidFill>
-                <a:effectLst/>
-                <a:latin typeface="notokr"/>
-              </a:rPr>
-              <a:t>오프셋 값은 </a:t>
-            </a:r>
-            <a:r>
-              <a:rPr lang="en-US" altLang="ko-KR" sz="1400" b="0" i="0" dirty="0">
-                <a:solidFill>
-                  <a:srgbClr val="575757"/>
-                </a:solidFill>
-                <a:effectLst/>
-                <a:latin typeface="notokr"/>
-              </a:rPr>
-              <a:t>0</a:t>
-            </a:r>
-            <a:r>
-              <a:rPr lang="ko-KR" altLang="en-US" sz="1400" b="0" i="0" dirty="0">
-                <a:solidFill>
-                  <a:srgbClr val="575757"/>
-                </a:solidFill>
-                <a:effectLst/>
-                <a:latin typeface="notokr"/>
-              </a:rPr>
-              <a:t>부터 시작하며</a:t>
-            </a:r>
-            <a:r>
-              <a:rPr lang="en-US" altLang="ko-KR" sz="1400" b="0" i="0" dirty="0">
-                <a:solidFill>
-                  <a:srgbClr val="575757"/>
-                </a:solidFill>
-                <a:effectLst/>
-                <a:latin typeface="notokr"/>
-              </a:rPr>
-              <a:t>, </a:t>
-            </a:r>
-            <a:r>
-              <a:rPr lang="ko-KR" altLang="en-US" sz="1400" b="0" i="0" dirty="0">
-                <a:solidFill>
-                  <a:srgbClr val="575757"/>
-                </a:solidFill>
-                <a:effectLst/>
-                <a:latin typeface="notokr"/>
-              </a:rPr>
-              <a:t>기존 텍스트 데이터의 몇 번째 위치부터 추가할지를 전달</a:t>
-            </a:r>
-            <a:endParaRPr lang="en-US" altLang="ko-KR" sz="1400" b="0" i="0" dirty="0">
-              <a:solidFill>
-                <a:srgbClr val="575757"/>
-              </a:solidFill>
-              <a:effectLst/>
-              <a:latin typeface="Nanum Gothic Coding"/>
-            </a:endParaRPr>
-          </a:p>
-          <a:p>
-            <a:endParaRPr lang="en-US" altLang="ko-KR" dirty="0">
-              <a:solidFill>
-                <a:srgbClr val="575757"/>
-              </a:solidFill>
-              <a:latin typeface="Nanum Gothic Coding"/>
-            </a:endParaRPr>
-          </a:p>
-          <a:p>
-            <a:endParaRPr lang="en-US" altLang="ko-KR" b="0" i="0" dirty="0">
-              <a:solidFill>
-                <a:srgbClr val="575757"/>
-              </a:solidFill>
-              <a:effectLst/>
-              <a:latin typeface="Nanum Gothic Coding"/>
-            </a:endParaRPr>
-          </a:p>
-          <a:p>
-            <a:endParaRPr lang="en-US" altLang="ko-KR" dirty="0"/>
-          </a:p>
-          <a:p>
-            <a:endParaRPr lang="en-US" altLang="ko-KR" dirty="0"/>
-          </a:p>
-          <a:p>
-            <a:endParaRPr lang="en-US" altLang="ko-KR" dirty="0"/>
-          </a:p>
-          <a:p>
-            <a:endParaRPr lang="en-US" altLang="ko-KR" dirty="0"/>
-          </a:p>
-          <a:p>
-            <a:endParaRPr lang="en-US" altLang="ko-KR" dirty="0"/>
-          </a:p>
-          <a:p>
-            <a:endParaRPr lang="en-US" altLang="ko-KR" dirty="0"/>
-          </a:p>
-          <a:p>
-            <a:endParaRPr lang="en-US" altLang="ko-KR" dirty="0"/>
-          </a:p>
-          <a:p>
-            <a:endParaRPr lang="en-US" altLang="ko-KR" dirty="0"/>
-          </a:p>
-          <a:p>
-            <a:endParaRPr lang="en-US" altLang="ko-KR" dirty="0"/>
-          </a:p>
-          <a:p>
-            <a:endParaRPr lang="en-US" altLang="ko-KR" dirty="0"/>
-          </a:p>
-          <a:p>
-            <a:endParaRPr lang="en-US" altLang="ko-KR" dirty="0"/>
+              <a:t>	</a:t>
+            </a:r>
+            <a:endParaRPr lang="ko-KR" altLang="en-US" dirty="0"/>
           </a:p>
         </p:txBody>
       </p:sp>
       <p:pic>
         <p:nvPicPr>
-          <p:cNvPr id="9" name="그림 8">
+          <p:cNvPr id="6" name="그림 5">
             <a:extLst>
               <a:ext uri="{FF2B5EF4-FFF2-40B4-BE49-F238E27FC236}">
-                <a16:creationId xmlns:a16="http://schemas.microsoft.com/office/drawing/2014/main" id="{88C9F037-D4B9-3C33-83E9-7B68C0335BB2}"/>
+                <a16:creationId xmlns:a16="http://schemas.microsoft.com/office/drawing/2014/main" id="{46988A60-78F9-15C5-B2F3-5CAC6857C674}"/>
               </a:ext>
             </a:extLst>
           </p:cNvPr>
@@ -9164,8 +8588,8 @@
         </p:blipFill>
         <p:spPr>
           <a:xfrm>
-            <a:off x="1183096" y="4459365"/>
-            <a:ext cx="3638270" cy="1608924"/>
+            <a:off x="990008" y="3718217"/>
+            <a:ext cx="5642819" cy="2312254"/>
           </a:xfrm>
           <a:prstGeom prst="rect">
             <a:avLst/>
@@ -9174,10 +8598,10 @@
       </p:pic>
       <p:pic>
         <p:nvPicPr>
-          <p:cNvPr id="11" name="그림 10">
+          <p:cNvPr id="9" name="그림 8">
             <a:extLst>
               <a:ext uri="{FF2B5EF4-FFF2-40B4-BE49-F238E27FC236}">
-                <a16:creationId xmlns:a16="http://schemas.microsoft.com/office/drawing/2014/main" id="{2D3DCE97-7BDB-7C36-BBFE-1C1B8CB90382}"/>
+                <a16:creationId xmlns:a16="http://schemas.microsoft.com/office/drawing/2014/main" id="{94EB03DA-B243-0DAB-3903-681F3AC14AAA}"/>
               </a:ext>
             </a:extLst>
           </p:cNvPr>
@@ -9194,38 +8618,8 @@
         </p:blipFill>
         <p:spPr>
           <a:xfrm>
-            <a:off x="5048198" y="4939977"/>
-            <a:ext cx="3600450" cy="647700"/>
-          </a:xfrm>
-          <a:prstGeom prst="rect">
-            <a:avLst/>
-          </a:prstGeom>
-        </p:spPr>
-      </p:pic>
-      <p:pic>
-        <p:nvPicPr>
-          <p:cNvPr id="13" name="그림 12">
-            <a:extLst>
-              <a:ext uri="{FF2B5EF4-FFF2-40B4-BE49-F238E27FC236}">
-                <a16:creationId xmlns:a16="http://schemas.microsoft.com/office/drawing/2014/main" id="{69C4E7C9-AFAC-6C0D-54D7-763A2F294932}"/>
-              </a:ext>
-            </a:extLst>
-          </p:cNvPr>
-          <p:cNvPicPr>
-            <a:picLocks noChangeAspect="1"/>
-          </p:cNvPicPr>
-          <p:nvPr/>
-        </p:nvPicPr>
-        <p:blipFill>
-          <a:blip r:embed="rId4"/>
-          <a:stretch>
-            <a:fillRect/>
-          </a:stretch>
-        </p:blipFill>
-        <p:spPr>
-          <a:xfrm>
-            <a:off x="8648648" y="4439992"/>
-            <a:ext cx="2684740" cy="1516938"/>
+            <a:off x="6823815" y="3781434"/>
+            <a:ext cx="4801803" cy="2249037"/>
           </a:xfrm>
           <a:prstGeom prst="rect">
             <a:avLst/>
@@ -9235,7 +8629,7 @@
     </p:spTree>
     <p:extLst>
       <p:ext uri="{BB962C8B-B14F-4D97-AF65-F5344CB8AC3E}">
-        <p14:creationId xmlns:p14="http://schemas.microsoft.com/office/powerpoint/2010/main" val="2988688909"/>
+        <p14:creationId xmlns:p14="http://schemas.microsoft.com/office/powerpoint/2010/main" val="3408862742"/>
       </p:ext>
     </p:extLst>
   </p:cSld>
@@ -9875,8 +9269,8 @@
         </p:nvSpPr>
         <p:spPr>
           <a:xfrm>
-            <a:off x="1294839" y="1351947"/>
-            <a:ext cx="9881100" cy="7817525"/>
+            <a:off x="1125942" y="1105419"/>
+            <a:ext cx="9881100" cy="11572399"/>
           </a:xfrm>
           <a:prstGeom prst="rect">
             <a:avLst/>
@@ -9891,395 +9285,743 @@
           <a:p>
             <a:r>
               <a:rPr lang="en-US" altLang="ko-KR" sz="2400" b="1" dirty="0"/>
-              <a:t>HTML</a:t>
+              <a:t>DOM </a:t>
             </a:r>
             <a:r>
               <a:rPr lang="ko-KR" altLang="en-US" sz="2400" b="1" dirty="0"/>
-              <a:t> 요소 핸들링 </a:t>
+              <a:t>조작하기 </a:t>
             </a:r>
             <a:endParaRPr lang="en-US" altLang="ko-KR" dirty="0"/>
           </a:p>
           <a:p>
+            <a:pPr marL="285750" indent="-285750">
+              <a:buFont typeface="Arial" panose="020B0604020202020204" pitchFamily="34" charset="0"/>
+              <a:buChar char="•"/>
+            </a:pPr>
             <a:r>
               <a:rPr lang="en-US" altLang="ko-KR" dirty="0"/>
-              <a:t>HTML DOM </a:t>
+              <a:t>document </a:t>
             </a:r>
             <a:r>
               <a:rPr lang="ko-KR" altLang="en-US" dirty="0"/>
-              <a:t>요소에 접근하는 방법</a:t>
+              <a:t>객체의 여러 속성과 메서드를 활용하고 다룰 수 있는 것을 의미</a:t>
+            </a:r>
+            <a:endParaRPr lang="en-US" altLang="ko-KR" dirty="0"/>
+          </a:p>
+          <a:p>
+            <a:pPr marL="285750" indent="-285750">
+              <a:buFont typeface="Arial" panose="020B0604020202020204" pitchFamily="34" charset="0"/>
+              <a:buChar char="•"/>
+            </a:pPr>
+            <a:endParaRPr lang="en-US" altLang="ko-KR" dirty="0"/>
+          </a:p>
+          <a:p>
+            <a:pPr marL="285750" indent="-285750">
+              <a:buFont typeface="Arial" panose="020B0604020202020204" pitchFamily="34" charset="0"/>
+              <a:buChar char="•"/>
+            </a:pPr>
+            <a:r>
+              <a:rPr lang="ko-KR" altLang="en-US" dirty="0"/>
+              <a:t>관련 메서드를 활용해 새로운 노드를 생성</a:t>
+            </a:r>
+            <a:r>
+              <a:rPr lang="en-US" altLang="ko-KR" dirty="0"/>
+              <a:t>, </a:t>
+            </a:r>
+            <a:r>
+              <a:rPr lang="ko-KR" altLang="en-US" dirty="0"/>
+              <a:t>삭제</a:t>
+            </a:r>
+            <a:r>
+              <a:rPr lang="en-US" altLang="ko-KR" dirty="0"/>
+              <a:t>, </a:t>
+            </a:r>
+            <a:r>
+              <a:rPr lang="ko-KR" altLang="en-US" dirty="0"/>
+              <a:t>갱신 가능</a:t>
             </a:r>
             <a:r>
               <a:rPr lang="en-US" altLang="ko-KR" dirty="0"/>
               <a:t>. </a:t>
             </a:r>
+          </a:p>
+          <a:p>
+            <a:endParaRPr lang="en-US" altLang="ko-KR" dirty="0"/>
+          </a:p>
+          <a:p>
+            <a:r>
+              <a:rPr lang="en-US" altLang="ko-KR" dirty="0"/>
+              <a:t>CREATE</a:t>
+            </a:r>
+            <a:r>
+              <a:rPr lang="ko-KR" altLang="en-US" dirty="0"/>
+              <a:t> </a:t>
+            </a:r>
+            <a:r>
+              <a:rPr lang="en-US" altLang="ko-KR" dirty="0"/>
+              <a:t>: </a:t>
+            </a:r>
+            <a:r>
+              <a:rPr lang="en-US" altLang="ko-KR" dirty="0" err="1"/>
+              <a:t>document.createElement</a:t>
+            </a:r>
+            <a:r>
+              <a:rPr lang="en-US" altLang="ko-KR" dirty="0"/>
+              <a:t>(‘</a:t>
+            </a:r>
             <a:r>
               <a:rPr lang="ko-KR" altLang="en-US" dirty="0"/>
               <a:t>태그이름</a:t>
             </a:r>
             <a:r>
               <a:rPr lang="en-US" altLang="ko-KR" dirty="0"/>
-              <a:t>, </a:t>
+              <a:t>’)</a:t>
+            </a:r>
+          </a:p>
+          <a:p>
+            <a:endParaRPr lang="en-US" altLang="ko-KR" dirty="0"/>
+          </a:p>
+          <a:p>
+            <a:r>
+              <a:rPr lang="en-US" altLang="ko-KR" dirty="0"/>
+              <a:t>Append </a:t>
             </a:r>
             <a:r>
               <a:rPr lang="ko-KR" altLang="en-US" dirty="0"/>
-              <a:t>아이디</a:t>
+              <a:t>메서드를 활용해 생성한 </a:t>
+            </a:r>
+            <a:r>
+              <a:rPr lang="en-US" altLang="ko-KR" dirty="0" err="1"/>
+              <a:t>dom</a:t>
+            </a:r>
+            <a:r>
+              <a:rPr lang="ko-KR" altLang="en-US" dirty="0"/>
+              <a:t>을 </a:t>
             </a:r>
             <a:r>
               <a:rPr lang="en-US" altLang="ko-KR" dirty="0"/>
-              <a:t>, </a:t>
+              <a:t>html</a:t>
             </a:r>
             <a:r>
               <a:rPr lang="ko-KR" altLang="en-US" dirty="0"/>
-              <a:t>클래스</a:t>
-            </a:r>
+              <a:t>에 </a:t>
+            </a:r>
+            <a:r>
+              <a:rPr lang="ko-KR" altLang="en-US" dirty="0" err="1"/>
+              <a:t>구현시킬</a:t>
+            </a:r>
+            <a:r>
+              <a:rPr lang="ko-KR" altLang="en-US" dirty="0"/>
+              <a:t> 수 있음</a:t>
+            </a:r>
+            <a:endParaRPr lang="en-US" altLang="ko-KR" dirty="0"/>
+          </a:p>
+          <a:p>
             <a:r>
               <a:rPr lang="en-US" altLang="ko-KR" dirty="0"/>
-              <a:t>, </a:t>
-            </a:r>
-            <a:r>
-              <a:rPr lang="ko-KR" altLang="en-US" dirty="0"/>
-              <a:t>이름 등을 이용해 특정 노드 객체를 선택하는 것 </a:t>
-            </a:r>
-            <a:endParaRPr lang="en-US" altLang="ko-KR" dirty="0"/>
-          </a:p>
-          <a:p>
-            <a:endParaRPr lang="en-US" altLang="ko-KR" dirty="0"/>
-          </a:p>
-          <a:p>
-            <a:r>
-              <a:rPr lang="en-US" altLang="ko-KR" b="1" dirty="0"/>
-              <a:t>READ</a:t>
-            </a:r>
-            <a:r>
-              <a:rPr lang="ko-KR" altLang="en-US" dirty="0"/>
-              <a:t> </a:t>
-            </a:r>
-            <a:endParaRPr lang="en-US" altLang="ko-KR" dirty="0"/>
-          </a:p>
-          <a:p>
-            <a:r>
-              <a:rPr lang="en-US" altLang="ko-KR" sz="1600" dirty="0"/>
-              <a:t>HTML</a:t>
-            </a:r>
-            <a:r>
-              <a:rPr lang="ko-KR" altLang="en-US" sz="1600" dirty="0"/>
-              <a:t> 요소 선택 </a:t>
-            </a:r>
-            <a:endParaRPr lang="en-US" altLang="ko-KR" sz="1600" dirty="0"/>
-          </a:p>
-          <a:p>
-            <a:r>
-              <a:rPr lang="en-US" altLang="ko-KR" sz="1600" dirty="0"/>
-              <a:t>-</a:t>
-            </a:r>
-            <a:r>
-              <a:rPr lang="en-US" altLang="ko-KR" sz="1600" dirty="0" err="1"/>
-              <a:t>getElementBy</a:t>
-            </a:r>
-            <a:r>
-              <a:rPr lang="en-US" altLang="ko-KR" sz="1600" dirty="0"/>
-              <a:t> : </a:t>
-            </a:r>
-            <a:r>
-              <a:rPr lang="ko-KR" altLang="en-US" sz="1600" dirty="0"/>
-              <a:t>태그의 속성으로 노드를 선택 </a:t>
-            </a:r>
-            <a:endParaRPr lang="en-US" altLang="ko-KR" sz="1600" dirty="0"/>
-          </a:p>
-          <a:p>
-            <a:r>
-              <a:rPr lang="en-US" altLang="ko-KR" sz="1600" dirty="0" err="1"/>
-              <a:t>document.getElementByTagName</a:t>
-            </a:r>
-            <a:r>
-              <a:rPr lang="en-US" altLang="ko-KR" sz="1600" dirty="0"/>
-              <a:t>(“</a:t>
-            </a:r>
-            <a:r>
-              <a:rPr lang="en-US" altLang="ko-KR" sz="1600" dirty="0" err="1"/>
-              <a:t>tag_name</a:t>
-            </a:r>
-            <a:r>
-              <a:rPr lang="en-US" altLang="ko-KR" sz="1600" dirty="0"/>
-              <a:t>”)</a:t>
-            </a:r>
-          </a:p>
-          <a:p>
-            <a:r>
-              <a:rPr lang="en-US" altLang="ko-KR" sz="1600" dirty="0" err="1"/>
-              <a:t>document.getElementById</a:t>
-            </a:r>
-            <a:r>
-              <a:rPr lang="en-US" altLang="ko-KR" sz="1600" dirty="0"/>
-              <a:t>(“</a:t>
-            </a:r>
-            <a:r>
-              <a:rPr lang="en-US" altLang="ko-KR" sz="1600" dirty="0" err="1"/>
-              <a:t>id_name</a:t>
-            </a:r>
-            <a:r>
-              <a:rPr lang="en-US" altLang="ko-KR" sz="1600" dirty="0"/>
-              <a:t>”)</a:t>
-            </a:r>
-          </a:p>
-          <a:p>
-            <a:r>
-              <a:rPr lang="en-US" altLang="ko-KR" sz="1600" dirty="0" err="1"/>
-              <a:t>document.getElementByClassName</a:t>
-            </a:r>
-            <a:r>
-              <a:rPr lang="en-US" altLang="ko-KR" sz="1600" dirty="0"/>
-              <a:t>(“</a:t>
-            </a:r>
-            <a:r>
-              <a:rPr lang="en-US" altLang="ko-KR" sz="1600" dirty="0" err="1"/>
-              <a:t>class_name</a:t>
-            </a:r>
-            <a:r>
-              <a:rPr lang="en-US" altLang="ko-KR" sz="1600" dirty="0"/>
-              <a:t>”)</a:t>
-            </a:r>
-          </a:p>
-          <a:p>
-            <a:r>
-              <a:rPr lang="en-US" altLang="ko-KR" sz="1600" dirty="0" err="1"/>
-              <a:t>document.getElementByName</a:t>
-            </a:r>
-            <a:r>
-              <a:rPr lang="en-US" altLang="ko-KR" sz="1600" dirty="0"/>
-              <a:t>(“</a:t>
-            </a:r>
-            <a:r>
-              <a:rPr lang="en-US" altLang="ko-KR" sz="1600" dirty="0" err="1"/>
-              <a:t>name_attribute</a:t>
-            </a:r>
-            <a:r>
-              <a:rPr lang="en-US" altLang="ko-KR" sz="1600" dirty="0"/>
-              <a:t>”)</a:t>
-            </a:r>
-          </a:p>
-          <a:p>
-            <a:endParaRPr lang="en-US" altLang="ko-KR" sz="1600" dirty="0"/>
-          </a:p>
-          <a:p>
-            <a:r>
-              <a:rPr lang="en-US" altLang="ko-KR" sz="1600" dirty="0" err="1"/>
-              <a:t>querySelector</a:t>
-            </a:r>
-            <a:r>
-              <a:rPr lang="en-US" altLang="ko-KR" sz="1600" dirty="0"/>
-              <a:t>(</a:t>
-            </a:r>
-            <a:r>
-              <a:rPr lang="ko-KR" altLang="en-US" sz="1600" dirty="0"/>
-              <a:t>하나의 노드만 가져올 때</a:t>
-            </a:r>
-            <a:r>
-              <a:rPr lang="en-US" altLang="ko-KR" sz="1600" dirty="0"/>
-              <a:t>)</a:t>
-            </a:r>
-          </a:p>
-          <a:p>
-            <a:r>
-              <a:rPr lang="en-US" altLang="ko-KR" sz="1600" dirty="0" err="1"/>
-              <a:t>querySelectorAll</a:t>
-            </a:r>
-            <a:r>
-              <a:rPr lang="en-US" altLang="ko-KR" sz="1600" dirty="0"/>
-              <a:t>(</a:t>
-            </a:r>
-            <a:r>
-              <a:rPr lang="ko-KR" altLang="en-US" sz="1600" dirty="0"/>
-              <a:t>여러 개의 노드를 동시에 가져올 때</a:t>
-            </a:r>
-            <a:r>
-              <a:rPr lang="en-US" altLang="ko-KR" sz="1600" dirty="0"/>
-              <a:t>)</a:t>
-            </a:r>
-          </a:p>
-          <a:p>
-            <a:r>
-              <a:rPr lang="en-US" altLang="ko-KR" sz="1600" dirty="0"/>
-              <a:t>-</a:t>
-            </a:r>
-            <a:r>
-              <a:rPr lang="ko-KR" altLang="en-US" sz="1600" dirty="0"/>
-              <a:t>단일 메서드로 원하는 요소를 찾음</a:t>
-            </a:r>
-            <a:endParaRPr lang="en-US" altLang="ko-KR" sz="1600" dirty="0"/>
-          </a:p>
-          <a:p>
-            <a:r>
-              <a:rPr lang="en-US" altLang="ko-KR" sz="1600" dirty="0" err="1"/>
-              <a:t>Document.querySelector</a:t>
-            </a:r>
-            <a:r>
-              <a:rPr lang="en-US" altLang="ko-KR" sz="1600" dirty="0"/>
-              <a:t>(“#main”, #title, #footer)  </a:t>
-            </a:r>
-            <a:r>
-              <a:rPr lang="ko-KR" altLang="en-US" sz="1600" dirty="0"/>
-              <a:t>여러 </a:t>
-            </a:r>
-            <a:r>
-              <a:rPr lang="ko-KR" altLang="en-US" sz="1600" dirty="0" err="1"/>
-              <a:t>셀렉터</a:t>
-            </a:r>
-            <a:r>
-              <a:rPr lang="ko-KR" altLang="en-US" sz="1600" dirty="0"/>
-              <a:t> 나열하며 해당 조건에 맞는 첫번째 노드만 가져옴</a:t>
-            </a:r>
-            <a:endParaRPr lang="en-US" altLang="ko-KR" sz="1600" dirty="0"/>
-          </a:p>
-          <a:p>
-            <a:r>
-              <a:rPr lang="en-US" altLang="ko-KR" sz="1600" dirty="0" err="1"/>
-              <a:t>Document.querySelectorAll</a:t>
-            </a:r>
-            <a:r>
-              <a:rPr lang="en-US" altLang="ko-KR" sz="1600" dirty="0"/>
-              <a:t>(“#b1, #b2, #b3“) </a:t>
-            </a:r>
-            <a:r>
-              <a:rPr lang="ko-KR" altLang="en-US" sz="1600" dirty="0"/>
-              <a:t>해당 조건의 모든 노드를 가져옴 </a:t>
-            </a:r>
-            <a:endParaRPr lang="en-US" altLang="ko-KR" sz="1600" dirty="0"/>
-          </a:p>
-          <a:p>
-            <a:endParaRPr lang="en-US" altLang="ko-KR" dirty="0"/>
-          </a:p>
-          <a:p>
-            <a:endParaRPr lang="en-US" altLang="ko-KR" dirty="0"/>
-          </a:p>
-          <a:p>
-            <a:endParaRPr lang="en-US" altLang="ko-KR" dirty="0"/>
-          </a:p>
-          <a:p>
-            <a:endParaRPr lang="en-US" altLang="ko-KR" dirty="0"/>
-          </a:p>
-          <a:p>
-            <a:r>
-              <a:rPr lang="ko-KR" altLang="en-US" dirty="0"/>
-              <a:t>노드 간의 관계를 이용해서 접근</a:t>
-            </a:r>
-            <a:endParaRPr lang="en-US" altLang="ko-KR" dirty="0"/>
-          </a:p>
-          <a:p>
-            <a:r>
-              <a:rPr lang="en-US" altLang="ko-KR" dirty="0"/>
-              <a:t>1. </a:t>
+              <a:t>	- append, </a:t>
             </a:r>
             <a:r>
               <a:rPr lang="en-US" altLang="ko-KR" dirty="0" err="1"/>
-              <a:t>parentNode</a:t>
+              <a:t>appendChild</a:t>
             </a:r>
             <a:r>
               <a:rPr lang="en-US" altLang="ko-KR" dirty="0"/>
               <a:t> : </a:t>
             </a:r>
+          </a:p>
+          <a:p>
+            <a:r>
+              <a:rPr lang="en-US" altLang="ko-KR" dirty="0" err="1"/>
+              <a:t>document.body.append</a:t>
+            </a:r>
+            <a:r>
+              <a:rPr lang="en-US" altLang="ko-KR" dirty="0"/>
+              <a:t>(‘</a:t>
+            </a:r>
             <a:r>
               <a:rPr lang="ko-KR" altLang="en-US" dirty="0"/>
-              <a:t>부모 노드</a:t>
-            </a:r>
-          </a:p>
-          <a:p>
+              <a:t>추가할 태그</a:t>
+            </a:r>
             <a:r>
               <a:rPr lang="en-US" altLang="ko-KR" dirty="0"/>
-              <a:t>2. </a:t>
+              <a:t>’)</a:t>
+            </a:r>
+          </a:p>
+          <a:p>
+            <a:r>
+              <a:rPr lang="en-US" altLang="ko-KR" dirty="0"/>
+              <a:t>	- </a:t>
             </a:r>
             <a:r>
               <a:rPr lang="en-US" altLang="ko-KR" dirty="0" err="1"/>
-              <a:t>childNodes</a:t>
+              <a:t>insertBefore</a:t>
             </a:r>
             <a:r>
               <a:rPr lang="en-US" altLang="ko-KR" dirty="0"/>
-              <a:t> : </a:t>
+              <a:t>()  </a:t>
             </a:r>
             <a:r>
               <a:rPr lang="ko-KR" altLang="en-US" dirty="0"/>
-              <a:t>자식 노드 리스트</a:t>
-            </a:r>
-          </a:p>
-          <a:p>
-            <a:r>
-              <a:rPr lang="en-US" altLang="ko-KR" dirty="0"/>
-              <a:t>3. </a:t>
-            </a:r>
-            <a:r>
-              <a:rPr lang="en-US" altLang="ko-KR" dirty="0" err="1"/>
-              <a:t>firstChild</a:t>
-            </a:r>
-            <a:r>
-              <a:rPr lang="en-US" altLang="ko-KR" dirty="0"/>
-              <a:t> : </a:t>
-            </a:r>
-            <a:r>
-              <a:rPr lang="ko-KR" altLang="en-US" dirty="0"/>
-              <a:t>첫 번째 자식 노드</a:t>
-            </a:r>
-          </a:p>
-          <a:p>
-            <a:r>
-              <a:rPr lang="en-US" altLang="ko-KR" dirty="0"/>
-              <a:t>4. </a:t>
-            </a:r>
-            <a:r>
-              <a:rPr lang="en-US" altLang="ko-KR" dirty="0" err="1"/>
-              <a:t>lastChild</a:t>
-            </a:r>
-            <a:r>
-              <a:rPr lang="en-US" altLang="ko-KR" dirty="0"/>
-              <a:t> : </a:t>
-            </a:r>
-            <a:r>
-              <a:rPr lang="ko-KR" altLang="en-US" dirty="0"/>
-              <a:t>마지막 자식 노드</a:t>
-            </a:r>
-          </a:p>
-          <a:p>
-            <a:r>
-              <a:rPr lang="en-US" altLang="ko-KR" dirty="0"/>
-              <a:t>5. </a:t>
-            </a:r>
-            <a:r>
-              <a:rPr lang="en-US" altLang="ko-KR" dirty="0" err="1"/>
-              <a:t>nextSibling</a:t>
-            </a:r>
-            <a:r>
-              <a:rPr lang="en-US" altLang="ko-KR" dirty="0"/>
-              <a:t> : </a:t>
-            </a:r>
-            <a:r>
-              <a:rPr lang="ko-KR" altLang="en-US" dirty="0"/>
-              <a:t>다음 형제 노드</a:t>
-            </a:r>
-          </a:p>
-          <a:p>
-            <a:r>
-              <a:rPr lang="en-US" altLang="ko-KR" dirty="0"/>
-              <a:t>6. </a:t>
-            </a:r>
-            <a:r>
-              <a:rPr lang="en-US" altLang="ko-KR" dirty="0" err="1"/>
-              <a:t>previousSibling</a:t>
-            </a:r>
-            <a:r>
-              <a:rPr lang="en-US" altLang="ko-KR" dirty="0"/>
-              <a:t> : </a:t>
-            </a:r>
-            <a:r>
-              <a:rPr lang="ko-KR" altLang="en-US" dirty="0"/>
-              <a:t>이전 형제 노드</a:t>
-            </a:r>
+              <a:t>기준이 되는 자식 노드 앞에 새로운 자식 노드를 추가 </a:t>
+            </a:r>
+            <a:endParaRPr lang="en-US" altLang="ko-KR" dirty="0"/>
+          </a:p>
+          <a:p>
+            <a:endParaRPr lang="en-US" altLang="ko-KR" b="0" i="0" dirty="0">
+              <a:solidFill>
+                <a:srgbClr val="575757"/>
+              </a:solidFill>
+              <a:effectLst/>
+              <a:latin typeface="Nanum Gothic Coding"/>
+            </a:endParaRPr>
+          </a:p>
+          <a:p>
+            <a:endParaRPr lang="en-US" altLang="ko-KR" dirty="0">
+              <a:solidFill>
+                <a:srgbClr val="575757"/>
+              </a:solidFill>
+              <a:latin typeface="Nanum Gothic Coding"/>
+            </a:endParaRPr>
+          </a:p>
+          <a:p>
+            <a:endParaRPr lang="en-US" altLang="ko-KR" b="0" i="0" dirty="0">
+              <a:solidFill>
+                <a:srgbClr val="575757"/>
+              </a:solidFill>
+              <a:effectLst/>
+              <a:latin typeface="Nanum Gothic Coding"/>
+            </a:endParaRPr>
+          </a:p>
+          <a:p>
+            <a:endParaRPr lang="en-US" altLang="ko-KR" dirty="0">
+              <a:solidFill>
+                <a:srgbClr val="575757"/>
+              </a:solidFill>
+              <a:latin typeface="Nanum Gothic Coding"/>
+            </a:endParaRPr>
+          </a:p>
+          <a:p>
+            <a:endParaRPr lang="en-US" altLang="ko-KR" b="0" i="0" dirty="0">
+              <a:solidFill>
+                <a:srgbClr val="575757"/>
+              </a:solidFill>
+              <a:effectLst/>
+              <a:latin typeface="Nanum Gothic Coding"/>
+            </a:endParaRPr>
+          </a:p>
+          <a:p>
+            <a:endParaRPr lang="en-US" altLang="ko-KR" dirty="0">
+              <a:solidFill>
+                <a:srgbClr val="575757"/>
+              </a:solidFill>
+              <a:latin typeface="Nanum Gothic Coding"/>
+            </a:endParaRPr>
+          </a:p>
+          <a:p>
+            <a:endParaRPr lang="en-US" altLang="ko-KR" b="0" i="0" dirty="0">
+              <a:solidFill>
+                <a:srgbClr val="575757"/>
+              </a:solidFill>
+              <a:effectLst/>
+              <a:latin typeface="Nanum Gothic Coding"/>
+            </a:endParaRPr>
+          </a:p>
+          <a:p>
+            <a:endParaRPr lang="en-US" altLang="ko-KR" dirty="0">
+              <a:solidFill>
+                <a:srgbClr val="575757"/>
+              </a:solidFill>
+              <a:latin typeface="Nanum Gothic Coding"/>
+            </a:endParaRPr>
+          </a:p>
+          <a:p>
+            <a:endParaRPr lang="en-US" altLang="ko-KR" b="0" i="0" dirty="0">
+              <a:solidFill>
+                <a:srgbClr val="575757"/>
+              </a:solidFill>
+              <a:effectLst/>
+              <a:latin typeface="Nanum Gothic Coding"/>
+            </a:endParaRPr>
+          </a:p>
+          <a:p>
+            <a:endParaRPr lang="en-US" altLang="ko-KR" dirty="0">
+              <a:solidFill>
+                <a:srgbClr val="575757"/>
+              </a:solidFill>
+              <a:latin typeface="Nanum Gothic Coding"/>
+            </a:endParaRPr>
+          </a:p>
+          <a:p>
+            <a:endParaRPr lang="en-US" altLang="ko-KR" b="0" i="0" dirty="0">
+              <a:solidFill>
+                <a:srgbClr val="575757"/>
+              </a:solidFill>
+              <a:effectLst/>
+              <a:latin typeface="Nanum Gothic Coding"/>
+            </a:endParaRPr>
+          </a:p>
+          <a:p>
+            <a:endParaRPr lang="en-US" altLang="ko-KR" dirty="0">
+              <a:solidFill>
+                <a:srgbClr val="575757"/>
+              </a:solidFill>
+              <a:latin typeface="Nanum Gothic Coding"/>
+            </a:endParaRPr>
+          </a:p>
+          <a:p>
+            <a:endParaRPr lang="en-US" altLang="ko-KR" b="0" i="0" dirty="0">
+              <a:solidFill>
+                <a:srgbClr val="575757"/>
+              </a:solidFill>
+              <a:effectLst/>
+              <a:latin typeface="Nanum Gothic Coding"/>
+            </a:endParaRPr>
+          </a:p>
+          <a:p>
+            <a:endParaRPr lang="en-US" altLang="ko-KR" b="0" i="0" dirty="0">
+              <a:solidFill>
+                <a:srgbClr val="575757"/>
+              </a:solidFill>
+              <a:effectLst/>
+              <a:latin typeface="Nanum Gothic Coding"/>
+            </a:endParaRPr>
+          </a:p>
+          <a:p>
+            <a:r>
+              <a:rPr lang="ko-KR" altLang="en-US" sz="1400" b="0" i="0" dirty="0" err="1">
+                <a:solidFill>
+                  <a:srgbClr val="575757"/>
+                </a:solidFill>
+                <a:effectLst/>
+                <a:latin typeface="Nanum Gothic Coding"/>
+              </a:rPr>
+              <a:t>부모노드</a:t>
+            </a:r>
+            <a:r>
+              <a:rPr lang="en-US" altLang="ko-KR" sz="1400" b="0" i="0" dirty="0">
+                <a:solidFill>
+                  <a:srgbClr val="575757"/>
+                </a:solidFill>
+                <a:effectLst/>
+                <a:latin typeface="Nanum Gothic Coding"/>
+              </a:rPr>
+              <a:t>.</a:t>
+            </a:r>
+            <a:r>
+              <a:rPr lang="en-US" altLang="ko-KR" sz="1400" b="0" i="0" dirty="0" err="1">
+                <a:solidFill>
+                  <a:srgbClr val="693A17"/>
+                </a:solidFill>
+                <a:effectLst/>
+                <a:latin typeface="Nanum Gothic Coding"/>
+              </a:rPr>
+              <a:t>insertBefore</a:t>
+            </a:r>
+            <a:r>
+              <a:rPr lang="en-US" altLang="ko-KR" sz="1400" b="0" i="0" dirty="0">
+                <a:solidFill>
+                  <a:srgbClr val="575757"/>
+                </a:solidFill>
+                <a:effectLst/>
+                <a:latin typeface="Nanum Gothic Coding"/>
+              </a:rPr>
+              <a:t>(</a:t>
+            </a:r>
+            <a:r>
+              <a:rPr lang="ko-KR" altLang="en-US" sz="1400" b="0" i="0" dirty="0">
+                <a:solidFill>
+                  <a:srgbClr val="575757"/>
+                </a:solidFill>
+                <a:effectLst/>
+                <a:latin typeface="Nanum Gothic Coding"/>
+              </a:rPr>
+              <a:t>새로운 </a:t>
+            </a:r>
+            <a:r>
+              <a:rPr lang="ko-KR" altLang="en-US" sz="1400" b="0" i="0" dirty="0" err="1">
+                <a:solidFill>
+                  <a:srgbClr val="575757"/>
+                </a:solidFill>
+                <a:effectLst/>
+                <a:latin typeface="Nanum Gothic Coding"/>
+              </a:rPr>
+              <a:t>자식노드</a:t>
+            </a:r>
+            <a:r>
+              <a:rPr lang="en-US" altLang="ko-KR" sz="1400" b="0" i="0" dirty="0">
+                <a:solidFill>
+                  <a:srgbClr val="575757"/>
+                </a:solidFill>
+                <a:effectLst/>
+                <a:latin typeface="Nanum Gothic Coding"/>
+              </a:rPr>
+              <a:t>, </a:t>
+            </a:r>
+            <a:r>
+              <a:rPr lang="ko-KR" altLang="en-US" sz="1400" b="0" i="0" dirty="0">
+                <a:solidFill>
+                  <a:srgbClr val="575757"/>
+                </a:solidFill>
+                <a:effectLst/>
+                <a:latin typeface="Nanum Gothic Coding"/>
+              </a:rPr>
+              <a:t>기준 </a:t>
+            </a:r>
+            <a:r>
+              <a:rPr lang="ko-KR" altLang="en-US" sz="1400" b="0" i="0" dirty="0" err="1">
+                <a:solidFill>
+                  <a:srgbClr val="575757"/>
+                </a:solidFill>
+                <a:effectLst/>
+                <a:latin typeface="Nanum Gothic Coding"/>
+              </a:rPr>
+              <a:t>자식노드</a:t>
+            </a:r>
+            <a:r>
+              <a:rPr lang="en-US" altLang="ko-KR" sz="1400" b="0" i="0" dirty="0">
+                <a:solidFill>
+                  <a:srgbClr val="575757"/>
+                </a:solidFill>
+                <a:effectLst/>
+                <a:latin typeface="Nanum Gothic Coding"/>
+              </a:rPr>
+              <a:t>);</a:t>
+            </a:r>
+          </a:p>
+          <a:p>
+            <a:r>
+              <a:rPr lang="en-US" altLang="ko-KR" sz="1400" dirty="0" err="1">
+                <a:solidFill>
+                  <a:srgbClr val="575757"/>
+                </a:solidFill>
+                <a:latin typeface="Nanum Gothic Coding"/>
+              </a:rPr>
+              <a:t>insertData</a:t>
+            </a:r>
+            <a:r>
+              <a:rPr lang="en-US" altLang="ko-KR" sz="1400" dirty="0">
+                <a:solidFill>
+                  <a:srgbClr val="575757"/>
+                </a:solidFill>
+                <a:latin typeface="Nanum Gothic Coding"/>
+              </a:rPr>
+              <a:t>()</a:t>
+            </a:r>
+            <a:r>
+              <a:rPr lang="ko-KR" altLang="en-US" sz="1400" dirty="0">
+                <a:solidFill>
+                  <a:srgbClr val="575757"/>
+                </a:solidFill>
+                <a:latin typeface="Nanum Gothic Coding"/>
+              </a:rPr>
+              <a:t> </a:t>
+            </a:r>
+            <a:r>
+              <a:rPr lang="ko-KR" altLang="en-US" sz="1400" b="0" i="0" dirty="0">
+                <a:solidFill>
+                  <a:srgbClr val="575757"/>
+                </a:solidFill>
+                <a:effectLst/>
+                <a:latin typeface="notokr"/>
+              </a:rPr>
+              <a:t>텍스트 노드의 텍스트 데이터에 새로운 텍스트를 추가</a:t>
+            </a:r>
+            <a:endParaRPr lang="en-US" altLang="ko-KR" sz="1400" b="0" i="0" dirty="0">
+              <a:solidFill>
+                <a:srgbClr val="575757"/>
+              </a:solidFill>
+              <a:effectLst/>
+              <a:latin typeface="notokr"/>
+            </a:endParaRPr>
+          </a:p>
+          <a:p>
+            <a:r>
+              <a:rPr lang="ko-KR" altLang="en-US" sz="1400" b="0" i="0" dirty="0" err="1">
+                <a:solidFill>
+                  <a:srgbClr val="575757"/>
+                </a:solidFill>
+                <a:effectLst/>
+                <a:latin typeface="Nanum Gothic Coding"/>
+              </a:rPr>
+              <a:t>텍스트노드</a:t>
+            </a:r>
+            <a:r>
+              <a:rPr lang="en-US" altLang="ko-KR" sz="1400" b="0" i="0" dirty="0">
+                <a:solidFill>
+                  <a:srgbClr val="575757"/>
+                </a:solidFill>
+                <a:effectLst/>
+                <a:latin typeface="Nanum Gothic Coding"/>
+              </a:rPr>
+              <a:t>.</a:t>
+            </a:r>
+            <a:r>
+              <a:rPr lang="en-US" altLang="ko-KR" sz="1400" b="0" i="0" dirty="0" err="1">
+                <a:solidFill>
+                  <a:srgbClr val="575757"/>
+                </a:solidFill>
+                <a:effectLst/>
+                <a:latin typeface="Nanum Gothic Coding"/>
+              </a:rPr>
+              <a:t>insertData</a:t>
+            </a:r>
+            <a:r>
+              <a:rPr lang="en-US" altLang="ko-KR" sz="1400" b="0" i="0" dirty="0">
+                <a:solidFill>
+                  <a:srgbClr val="575757"/>
+                </a:solidFill>
+                <a:effectLst/>
+                <a:latin typeface="Nanum Gothic Coding"/>
+              </a:rPr>
+              <a:t>(</a:t>
+            </a:r>
+            <a:r>
+              <a:rPr lang="ko-KR" altLang="en-US" sz="1400" b="0" i="0" dirty="0">
+                <a:solidFill>
+                  <a:srgbClr val="575757"/>
+                </a:solidFill>
+                <a:effectLst/>
+                <a:latin typeface="Nanum Gothic Coding"/>
+              </a:rPr>
+              <a:t>오프셋</a:t>
+            </a:r>
+            <a:r>
+              <a:rPr lang="en-US" altLang="ko-KR" sz="1400" b="0" i="0" dirty="0">
+                <a:solidFill>
+                  <a:srgbClr val="575757"/>
+                </a:solidFill>
+                <a:effectLst/>
+                <a:latin typeface="Nanum Gothic Coding"/>
+              </a:rPr>
+              <a:t>, </a:t>
+            </a:r>
+            <a:r>
+              <a:rPr lang="ko-KR" altLang="en-US" sz="1400" b="0" i="0" dirty="0" err="1">
+                <a:solidFill>
+                  <a:srgbClr val="575757"/>
+                </a:solidFill>
+                <a:effectLst/>
+                <a:latin typeface="Nanum Gothic Coding"/>
+              </a:rPr>
+              <a:t>새로운데이터</a:t>
+            </a:r>
+            <a:r>
+              <a:rPr lang="en-US" altLang="ko-KR" sz="1400" b="0" i="0" dirty="0">
+                <a:solidFill>
+                  <a:srgbClr val="575757"/>
+                </a:solidFill>
+                <a:effectLst/>
+                <a:latin typeface="Nanum Gothic Coding"/>
+              </a:rPr>
+              <a:t>);</a:t>
+            </a:r>
+          </a:p>
+          <a:p>
+            <a:r>
+              <a:rPr lang="ko-KR" altLang="en-US" sz="1400" b="0" i="0" dirty="0">
+                <a:solidFill>
+                  <a:srgbClr val="575757"/>
+                </a:solidFill>
+                <a:effectLst/>
+                <a:latin typeface="notokr"/>
+              </a:rPr>
+              <a:t>오프셋 값은 </a:t>
+            </a:r>
+            <a:r>
+              <a:rPr lang="en-US" altLang="ko-KR" sz="1400" b="0" i="0" dirty="0">
+                <a:solidFill>
+                  <a:srgbClr val="575757"/>
+                </a:solidFill>
+                <a:effectLst/>
+                <a:latin typeface="notokr"/>
+              </a:rPr>
+              <a:t>0</a:t>
+            </a:r>
+            <a:r>
+              <a:rPr lang="ko-KR" altLang="en-US" sz="1400" b="0" i="0" dirty="0">
+                <a:solidFill>
+                  <a:srgbClr val="575757"/>
+                </a:solidFill>
+                <a:effectLst/>
+                <a:latin typeface="notokr"/>
+              </a:rPr>
+              <a:t>부터 시작하며</a:t>
+            </a:r>
+            <a:r>
+              <a:rPr lang="en-US" altLang="ko-KR" sz="1400" b="0" i="0" dirty="0">
+                <a:solidFill>
+                  <a:srgbClr val="575757"/>
+                </a:solidFill>
+                <a:effectLst/>
+                <a:latin typeface="notokr"/>
+              </a:rPr>
+              <a:t>, </a:t>
+            </a:r>
+            <a:r>
+              <a:rPr lang="ko-KR" altLang="en-US" sz="1400" b="0" i="0" dirty="0">
+                <a:solidFill>
+                  <a:srgbClr val="575757"/>
+                </a:solidFill>
+                <a:effectLst/>
+                <a:latin typeface="notokr"/>
+              </a:rPr>
+              <a:t>기존 텍스트 데이터의 몇 번째 위치부터 추가할지를 전달</a:t>
+            </a:r>
+            <a:endParaRPr lang="en-US" altLang="ko-KR" sz="1400" b="0" i="0" dirty="0">
+              <a:solidFill>
+                <a:srgbClr val="575757"/>
+              </a:solidFill>
+              <a:effectLst/>
+              <a:latin typeface="Nanum Gothic Coding"/>
+            </a:endParaRPr>
+          </a:p>
+          <a:p>
+            <a:endParaRPr lang="en-US" altLang="ko-KR" dirty="0">
+              <a:solidFill>
+                <a:srgbClr val="575757"/>
+              </a:solidFill>
+              <a:latin typeface="Nanum Gothic Coding"/>
+            </a:endParaRPr>
+          </a:p>
+          <a:p>
+            <a:endParaRPr lang="en-US" altLang="ko-KR" b="0" i="0" dirty="0">
+              <a:solidFill>
+                <a:srgbClr val="575757"/>
+              </a:solidFill>
+              <a:effectLst/>
+              <a:latin typeface="Nanum Gothic Coding"/>
+            </a:endParaRPr>
+          </a:p>
+          <a:p>
+            <a:endParaRPr lang="en-US" altLang="ko-KR" dirty="0"/>
+          </a:p>
+          <a:p>
+            <a:endParaRPr lang="en-US" altLang="ko-KR" dirty="0"/>
+          </a:p>
+          <a:p>
+            <a:endParaRPr lang="en-US" altLang="ko-KR" dirty="0"/>
+          </a:p>
+          <a:p>
+            <a:endParaRPr lang="en-US" altLang="ko-KR" dirty="0"/>
+          </a:p>
+          <a:p>
+            <a:endParaRPr lang="en-US" altLang="ko-KR" dirty="0"/>
+          </a:p>
+          <a:p>
+            <a:endParaRPr lang="en-US" altLang="ko-KR" dirty="0"/>
+          </a:p>
+          <a:p>
+            <a:endParaRPr lang="en-US" altLang="ko-KR" dirty="0"/>
+          </a:p>
+          <a:p>
+            <a:endParaRPr lang="en-US" altLang="ko-KR" dirty="0"/>
+          </a:p>
+          <a:p>
+            <a:endParaRPr lang="en-US" altLang="ko-KR" dirty="0"/>
+          </a:p>
+          <a:p>
+            <a:endParaRPr lang="en-US" altLang="ko-KR" dirty="0"/>
+          </a:p>
+          <a:p>
             <a:endParaRPr lang="en-US" altLang="ko-KR" dirty="0"/>
           </a:p>
         </p:txBody>
       </p:sp>
+      <p:pic>
+        <p:nvPicPr>
+          <p:cNvPr id="9" name="그림 8">
+            <a:extLst>
+              <a:ext uri="{FF2B5EF4-FFF2-40B4-BE49-F238E27FC236}">
+                <a16:creationId xmlns:a16="http://schemas.microsoft.com/office/drawing/2014/main" id="{88C9F037-D4B9-3C33-83E9-7B68C0335BB2}"/>
+              </a:ext>
+            </a:extLst>
+          </p:cNvPr>
+          <p:cNvPicPr>
+            <a:picLocks noChangeAspect="1"/>
+          </p:cNvPicPr>
+          <p:nvPr/>
+        </p:nvPicPr>
+        <p:blipFill>
+          <a:blip r:embed="rId2"/>
+          <a:stretch>
+            <a:fillRect/>
+          </a:stretch>
+        </p:blipFill>
+        <p:spPr>
+          <a:xfrm>
+            <a:off x="1180996" y="4583543"/>
+            <a:ext cx="3638270" cy="1608924"/>
+          </a:xfrm>
+          <a:prstGeom prst="rect">
+            <a:avLst/>
+          </a:prstGeom>
+        </p:spPr>
+      </p:pic>
+      <p:pic>
+        <p:nvPicPr>
+          <p:cNvPr id="11" name="그림 10">
+            <a:extLst>
+              <a:ext uri="{FF2B5EF4-FFF2-40B4-BE49-F238E27FC236}">
+                <a16:creationId xmlns:a16="http://schemas.microsoft.com/office/drawing/2014/main" id="{2D3DCE97-7BDB-7C36-BBFE-1C1B8CB90382}"/>
+              </a:ext>
+            </a:extLst>
+          </p:cNvPr>
+          <p:cNvPicPr>
+            <a:picLocks noChangeAspect="1"/>
+          </p:cNvPicPr>
+          <p:nvPr/>
+        </p:nvPicPr>
+        <p:blipFill>
+          <a:blip r:embed="rId3"/>
+          <a:stretch>
+            <a:fillRect/>
+          </a:stretch>
+        </p:blipFill>
+        <p:spPr>
+          <a:xfrm>
+            <a:off x="4884736" y="4985133"/>
+            <a:ext cx="3600450" cy="647700"/>
+          </a:xfrm>
+          <a:prstGeom prst="rect">
+            <a:avLst/>
+          </a:prstGeom>
+        </p:spPr>
+      </p:pic>
+      <p:pic>
+        <p:nvPicPr>
+          <p:cNvPr id="13" name="그림 12">
+            <a:extLst>
+              <a:ext uri="{FF2B5EF4-FFF2-40B4-BE49-F238E27FC236}">
+                <a16:creationId xmlns:a16="http://schemas.microsoft.com/office/drawing/2014/main" id="{69C4E7C9-AFAC-6C0D-54D7-763A2F294932}"/>
+              </a:ext>
+            </a:extLst>
+          </p:cNvPr>
+          <p:cNvPicPr>
+            <a:picLocks noChangeAspect="1"/>
+          </p:cNvPicPr>
+          <p:nvPr/>
+        </p:nvPicPr>
+        <p:blipFill>
+          <a:blip r:embed="rId4"/>
+          <a:stretch>
+            <a:fillRect/>
+          </a:stretch>
+        </p:blipFill>
+        <p:spPr>
+          <a:xfrm>
+            <a:off x="8648648" y="4439992"/>
+            <a:ext cx="2684740" cy="1516938"/>
+          </a:xfrm>
+          <a:prstGeom prst="rect">
+            <a:avLst/>
+          </a:prstGeom>
+        </p:spPr>
+      </p:pic>
     </p:spTree>
     <p:extLst>
       <p:ext uri="{BB962C8B-B14F-4D97-AF65-F5344CB8AC3E}">
-        <p14:creationId xmlns:p14="http://schemas.microsoft.com/office/powerpoint/2010/main" val="1113862951"/>
+        <p14:creationId xmlns:p14="http://schemas.microsoft.com/office/powerpoint/2010/main" val="2988688909"/>
       </p:ext>
     </p:extLst>
   </p:cSld>
@@ -10378,7 +10120,7 @@
         </p:nvGrpSpPr>
         <p:grpSpPr>
           <a:xfrm>
-            <a:off x="727539" y="169765"/>
+            <a:off x="799019" y="168227"/>
             <a:ext cx="10736921" cy="6307846"/>
             <a:chOff x="799019" y="274573"/>
             <a:chExt cx="10736921" cy="6307846"/>
@@ -10437,10 +10179,6 @@
             <a:lstStyle/>
             <a:p>
               <a:pPr algn="ctr"/>
-              <a:r>
-                <a:rPr lang="ko-KR" altLang="en-US" dirty="0" err="1"/>
-                <a:t>ㅎ</a:t>
-              </a:r>
               <a:endParaRPr lang="ko-KR" altLang="en-US" dirty="0"/>
             </a:p>
           </p:txBody>
@@ -10923,6 +10661,1054 @@
         </p:nvSpPr>
         <p:spPr>
           <a:xfrm>
+            <a:off x="1294839" y="1351947"/>
+            <a:ext cx="9881100" cy="7817525"/>
+          </a:xfrm>
+          <a:prstGeom prst="rect">
+            <a:avLst/>
+          </a:prstGeom>
+          <a:noFill/>
+        </p:spPr>
+        <p:txBody>
+          <a:bodyPr wrap="square" rtlCol="0">
+            <a:spAutoFit/>
+          </a:bodyPr>
+          <a:lstStyle/>
+          <a:p>
+            <a:r>
+              <a:rPr lang="en-US" altLang="ko-KR" sz="2400" b="1" dirty="0"/>
+              <a:t>HTML</a:t>
+            </a:r>
+            <a:r>
+              <a:rPr lang="ko-KR" altLang="en-US" sz="2400" b="1" dirty="0"/>
+              <a:t> 요소 핸들링 </a:t>
+            </a:r>
+            <a:endParaRPr lang="en-US" altLang="ko-KR" dirty="0"/>
+          </a:p>
+          <a:p>
+            <a:r>
+              <a:rPr lang="en-US" altLang="ko-KR" dirty="0"/>
+              <a:t>HTML DOM </a:t>
+            </a:r>
+            <a:r>
+              <a:rPr lang="ko-KR" altLang="en-US" dirty="0"/>
+              <a:t>요소에 접근하는 방법</a:t>
+            </a:r>
+            <a:r>
+              <a:rPr lang="en-US" altLang="ko-KR" dirty="0"/>
+              <a:t>. </a:t>
+            </a:r>
+            <a:r>
+              <a:rPr lang="ko-KR" altLang="en-US" dirty="0"/>
+              <a:t>태그이름</a:t>
+            </a:r>
+            <a:r>
+              <a:rPr lang="en-US" altLang="ko-KR" dirty="0"/>
+              <a:t>, </a:t>
+            </a:r>
+            <a:r>
+              <a:rPr lang="ko-KR" altLang="en-US" dirty="0"/>
+              <a:t>아이디</a:t>
+            </a:r>
+            <a:r>
+              <a:rPr lang="en-US" altLang="ko-KR" dirty="0"/>
+              <a:t>, </a:t>
+            </a:r>
+            <a:r>
+              <a:rPr lang="ko-KR" altLang="en-US" dirty="0"/>
+              <a:t>클래스</a:t>
+            </a:r>
+            <a:r>
+              <a:rPr lang="en-US" altLang="ko-KR" dirty="0"/>
+              <a:t>, </a:t>
+            </a:r>
+            <a:r>
+              <a:rPr lang="ko-KR" altLang="en-US" dirty="0"/>
+              <a:t>이름 등을 이용해 특정 노드 객체를 선택하는 것 </a:t>
+            </a:r>
+            <a:endParaRPr lang="en-US" altLang="ko-KR" dirty="0"/>
+          </a:p>
+          <a:p>
+            <a:endParaRPr lang="en-US" altLang="ko-KR" dirty="0"/>
+          </a:p>
+          <a:p>
+            <a:r>
+              <a:rPr lang="en-US" altLang="ko-KR" b="1" dirty="0"/>
+              <a:t>READ</a:t>
+            </a:r>
+            <a:r>
+              <a:rPr lang="ko-KR" altLang="en-US" dirty="0"/>
+              <a:t> </a:t>
+            </a:r>
+            <a:endParaRPr lang="en-US" altLang="ko-KR" dirty="0"/>
+          </a:p>
+          <a:p>
+            <a:r>
+              <a:rPr lang="en-US" altLang="ko-KR" sz="1600" dirty="0"/>
+              <a:t>HTML</a:t>
+            </a:r>
+            <a:r>
+              <a:rPr lang="ko-KR" altLang="en-US" sz="1600" dirty="0"/>
+              <a:t> 요소 선택 </a:t>
+            </a:r>
+            <a:endParaRPr lang="en-US" altLang="ko-KR" sz="1600" dirty="0"/>
+          </a:p>
+          <a:p>
+            <a:r>
+              <a:rPr lang="en-US" altLang="ko-KR" sz="1600" dirty="0"/>
+              <a:t>-</a:t>
+            </a:r>
+            <a:r>
+              <a:rPr lang="en-US" altLang="ko-KR" sz="1600" dirty="0" err="1"/>
+              <a:t>getElementBy</a:t>
+            </a:r>
+            <a:r>
+              <a:rPr lang="en-US" altLang="ko-KR" sz="1600" dirty="0"/>
+              <a:t> : </a:t>
+            </a:r>
+            <a:r>
+              <a:rPr lang="ko-KR" altLang="en-US" sz="1600" dirty="0"/>
+              <a:t>태그의 속성으로 노드를 선택 </a:t>
+            </a:r>
+            <a:endParaRPr lang="en-US" altLang="ko-KR" sz="1600" dirty="0"/>
+          </a:p>
+          <a:p>
+            <a:r>
+              <a:rPr lang="en-US" altLang="ko-KR" sz="1600" dirty="0" err="1"/>
+              <a:t>document.getElementByTagName</a:t>
+            </a:r>
+            <a:r>
+              <a:rPr lang="en-US" altLang="ko-KR" sz="1600" dirty="0"/>
+              <a:t>(“</a:t>
+            </a:r>
+            <a:r>
+              <a:rPr lang="en-US" altLang="ko-KR" sz="1600" dirty="0" err="1"/>
+              <a:t>tag_name</a:t>
+            </a:r>
+            <a:r>
+              <a:rPr lang="en-US" altLang="ko-KR" sz="1600" dirty="0"/>
+              <a:t>”)</a:t>
+            </a:r>
+          </a:p>
+          <a:p>
+            <a:r>
+              <a:rPr lang="en-US" altLang="ko-KR" sz="1600" dirty="0" err="1"/>
+              <a:t>document.getElementById</a:t>
+            </a:r>
+            <a:r>
+              <a:rPr lang="en-US" altLang="ko-KR" sz="1600" dirty="0"/>
+              <a:t>(“</a:t>
+            </a:r>
+            <a:r>
+              <a:rPr lang="en-US" altLang="ko-KR" sz="1600" dirty="0" err="1"/>
+              <a:t>id_name</a:t>
+            </a:r>
+            <a:r>
+              <a:rPr lang="en-US" altLang="ko-KR" sz="1600" dirty="0"/>
+              <a:t>”)</a:t>
+            </a:r>
+          </a:p>
+          <a:p>
+            <a:r>
+              <a:rPr lang="en-US" altLang="ko-KR" sz="1600" dirty="0" err="1"/>
+              <a:t>document.getElementByClassName</a:t>
+            </a:r>
+            <a:r>
+              <a:rPr lang="en-US" altLang="ko-KR" sz="1600" dirty="0"/>
+              <a:t>(“</a:t>
+            </a:r>
+            <a:r>
+              <a:rPr lang="en-US" altLang="ko-KR" sz="1600" dirty="0" err="1"/>
+              <a:t>class_name</a:t>
+            </a:r>
+            <a:r>
+              <a:rPr lang="en-US" altLang="ko-KR" sz="1600" dirty="0"/>
+              <a:t>”)</a:t>
+            </a:r>
+          </a:p>
+          <a:p>
+            <a:r>
+              <a:rPr lang="en-US" altLang="ko-KR" sz="1600" dirty="0" err="1"/>
+              <a:t>document.getElementByName</a:t>
+            </a:r>
+            <a:r>
+              <a:rPr lang="en-US" altLang="ko-KR" sz="1600" dirty="0"/>
+              <a:t>(“</a:t>
+            </a:r>
+            <a:r>
+              <a:rPr lang="en-US" altLang="ko-KR" sz="1600" dirty="0" err="1"/>
+              <a:t>name_attribute</a:t>
+            </a:r>
+            <a:r>
+              <a:rPr lang="en-US" altLang="ko-KR" sz="1600" dirty="0"/>
+              <a:t>”)</a:t>
+            </a:r>
+          </a:p>
+          <a:p>
+            <a:endParaRPr lang="en-US" altLang="ko-KR" sz="1600" dirty="0"/>
+          </a:p>
+          <a:p>
+            <a:r>
+              <a:rPr lang="en-US" altLang="ko-KR" sz="1600" dirty="0" err="1"/>
+              <a:t>querySelector</a:t>
+            </a:r>
+            <a:r>
+              <a:rPr lang="en-US" altLang="ko-KR" sz="1600" dirty="0"/>
+              <a:t>(</a:t>
+            </a:r>
+            <a:r>
+              <a:rPr lang="ko-KR" altLang="en-US" sz="1600" dirty="0"/>
+              <a:t>하나의 노드만 가져올 때</a:t>
+            </a:r>
+            <a:r>
+              <a:rPr lang="en-US" altLang="ko-KR" sz="1600" dirty="0"/>
+              <a:t>)</a:t>
+            </a:r>
+          </a:p>
+          <a:p>
+            <a:r>
+              <a:rPr lang="en-US" altLang="ko-KR" sz="1600" dirty="0" err="1"/>
+              <a:t>querySelectorAll</a:t>
+            </a:r>
+            <a:r>
+              <a:rPr lang="en-US" altLang="ko-KR" sz="1600" dirty="0"/>
+              <a:t>(</a:t>
+            </a:r>
+            <a:r>
+              <a:rPr lang="ko-KR" altLang="en-US" sz="1600" dirty="0"/>
+              <a:t>여러 개의 노드를 동시에 가져올 때</a:t>
+            </a:r>
+            <a:r>
+              <a:rPr lang="en-US" altLang="ko-KR" sz="1600" dirty="0"/>
+              <a:t>)</a:t>
+            </a:r>
+          </a:p>
+          <a:p>
+            <a:r>
+              <a:rPr lang="en-US" altLang="ko-KR" sz="1600" dirty="0"/>
+              <a:t>-</a:t>
+            </a:r>
+            <a:r>
+              <a:rPr lang="ko-KR" altLang="en-US" sz="1600" dirty="0"/>
+              <a:t>단일 메서드로 원하는 요소를 찾음</a:t>
+            </a:r>
+            <a:endParaRPr lang="en-US" altLang="ko-KR" sz="1600" dirty="0"/>
+          </a:p>
+          <a:p>
+            <a:r>
+              <a:rPr lang="en-US" altLang="ko-KR" sz="1600" dirty="0" err="1"/>
+              <a:t>Document.querySelector</a:t>
+            </a:r>
+            <a:r>
+              <a:rPr lang="en-US" altLang="ko-KR" sz="1600" dirty="0"/>
+              <a:t>(“#main”, #title, #footer)  </a:t>
+            </a:r>
+            <a:r>
+              <a:rPr lang="ko-KR" altLang="en-US" sz="1600" dirty="0"/>
+              <a:t>여러 </a:t>
+            </a:r>
+            <a:r>
+              <a:rPr lang="ko-KR" altLang="en-US" sz="1600" dirty="0" err="1"/>
+              <a:t>셀렉터</a:t>
+            </a:r>
+            <a:r>
+              <a:rPr lang="ko-KR" altLang="en-US" sz="1600" dirty="0"/>
+              <a:t> 나열하며 해당 조건에 맞는 첫번째 노드만 가져옴</a:t>
+            </a:r>
+            <a:endParaRPr lang="en-US" altLang="ko-KR" sz="1600" dirty="0"/>
+          </a:p>
+          <a:p>
+            <a:r>
+              <a:rPr lang="en-US" altLang="ko-KR" sz="1600" dirty="0" err="1"/>
+              <a:t>Document.querySelectorAll</a:t>
+            </a:r>
+            <a:r>
+              <a:rPr lang="en-US" altLang="ko-KR" sz="1600" dirty="0"/>
+              <a:t>(“#b1, #b2, #b3“) </a:t>
+            </a:r>
+            <a:r>
+              <a:rPr lang="ko-KR" altLang="en-US" sz="1600" dirty="0"/>
+              <a:t>해당 조건의 모든 노드를 가져옴 </a:t>
+            </a:r>
+            <a:endParaRPr lang="en-US" altLang="ko-KR" sz="1600" dirty="0"/>
+          </a:p>
+          <a:p>
+            <a:endParaRPr lang="en-US" altLang="ko-KR" dirty="0"/>
+          </a:p>
+          <a:p>
+            <a:endParaRPr lang="en-US" altLang="ko-KR" dirty="0"/>
+          </a:p>
+          <a:p>
+            <a:endParaRPr lang="en-US" altLang="ko-KR" dirty="0"/>
+          </a:p>
+          <a:p>
+            <a:endParaRPr lang="en-US" altLang="ko-KR" dirty="0"/>
+          </a:p>
+          <a:p>
+            <a:r>
+              <a:rPr lang="ko-KR" altLang="en-US" dirty="0"/>
+              <a:t>노드 간의 관계를 이용해서 접근</a:t>
+            </a:r>
+            <a:endParaRPr lang="en-US" altLang="ko-KR" dirty="0"/>
+          </a:p>
+          <a:p>
+            <a:r>
+              <a:rPr lang="en-US" altLang="ko-KR" dirty="0"/>
+              <a:t>1. </a:t>
+            </a:r>
+            <a:r>
+              <a:rPr lang="en-US" altLang="ko-KR" dirty="0" err="1"/>
+              <a:t>parentNode</a:t>
+            </a:r>
+            <a:r>
+              <a:rPr lang="en-US" altLang="ko-KR" dirty="0"/>
+              <a:t> : </a:t>
+            </a:r>
+            <a:r>
+              <a:rPr lang="ko-KR" altLang="en-US" dirty="0"/>
+              <a:t>부모 노드</a:t>
+            </a:r>
+          </a:p>
+          <a:p>
+            <a:r>
+              <a:rPr lang="en-US" altLang="ko-KR" dirty="0"/>
+              <a:t>2. </a:t>
+            </a:r>
+            <a:r>
+              <a:rPr lang="en-US" altLang="ko-KR" dirty="0" err="1"/>
+              <a:t>childNodes</a:t>
+            </a:r>
+            <a:r>
+              <a:rPr lang="en-US" altLang="ko-KR" dirty="0"/>
+              <a:t> : </a:t>
+            </a:r>
+            <a:r>
+              <a:rPr lang="ko-KR" altLang="en-US" dirty="0"/>
+              <a:t>자식 노드 리스트</a:t>
+            </a:r>
+          </a:p>
+          <a:p>
+            <a:r>
+              <a:rPr lang="en-US" altLang="ko-KR" dirty="0"/>
+              <a:t>3. </a:t>
+            </a:r>
+            <a:r>
+              <a:rPr lang="en-US" altLang="ko-KR" dirty="0" err="1"/>
+              <a:t>firstChild</a:t>
+            </a:r>
+            <a:r>
+              <a:rPr lang="en-US" altLang="ko-KR" dirty="0"/>
+              <a:t> : </a:t>
+            </a:r>
+            <a:r>
+              <a:rPr lang="ko-KR" altLang="en-US" dirty="0"/>
+              <a:t>첫 번째 자식 노드</a:t>
+            </a:r>
+          </a:p>
+          <a:p>
+            <a:r>
+              <a:rPr lang="en-US" altLang="ko-KR" dirty="0"/>
+              <a:t>4. </a:t>
+            </a:r>
+            <a:r>
+              <a:rPr lang="en-US" altLang="ko-KR" dirty="0" err="1"/>
+              <a:t>lastChild</a:t>
+            </a:r>
+            <a:r>
+              <a:rPr lang="en-US" altLang="ko-KR" dirty="0"/>
+              <a:t> : </a:t>
+            </a:r>
+            <a:r>
+              <a:rPr lang="ko-KR" altLang="en-US" dirty="0"/>
+              <a:t>마지막 자식 노드</a:t>
+            </a:r>
+          </a:p>
+          <a:p>
+            <a:r>
+              <a:rPr lang="en-US" altLang="ko-KR" dirty="0"/>
+              <a:t>5. </a:t>
+            </a:r>
+            <a:r>
+              <a:rPr lang="en-US" altLang="ko-KR" dirty="0" err="1"/>
+              <a:t>nextSibling</a:t>
+            </a:r>
+            <a:r>
+              <a:rPr lang="en-US" altLang="ko-KR" dirty="0"/>
+              <a:t> : </a:t>
+            </a:r>
+            <a:r>
+              <a:rPr lang="ko-KR" altLang="en-US" dirty="0"/>
+              <a:t>다음 형제 노드</a:t>
+            </a:r>
+          </a:p>
+          <a:p>
+            <a:r>
+              <a:rPr lang="en-US" altLang="ko-KR" dirty="0"/>
+              <a:t>6. </a:t>
+            </a:r>
+            <a:r>
+              <a:rPr lang="en-US" altLang="ko-KR" dirty="0" err="1"/>
+              <a:t>previousSibling</a:t>
+            </a:r>
+            <a:r>
+              <a:rPr lang="en-US" altLang="ko-KR" dirty="0"/>
+              <a:t> : </a:t>
+            </a:r>
+            <a:r>
+              <a:rPr lang="ko-KR" altLang="en-US" dirty="0"/>
+              <a:t>이전 형제 노드</a:t>
+            </a:r>
+            <a:endParaRPr lang="en-US" altLang="ko-KR" dirty="0"/>
+          </a:p>
+        </p:txBody>
+      </p:sp>
+    </p:spTree>
+    <p:extLst>
+      <p:ext uri="{BB962C8B-B14F-4D97-AF65-F5344CB8AC3E}">
+        <p14:creationId xmlns:p14="http://schemas.microsoft.com/office/powerpoint/2010/main" val="1113862951"/>
+      </p:ext>
+    </p:extLst>
+  </p:cSld>
+  <p:clrMapOvr>
+    <a:masterClrMapping/>
+  </p:clrMapOvr>
+</p:sld>
+</file>
+
+<file path=ppt/slides/slide15.xml><?xml version="1.0" encoding="utf-8"?>
+<p:sld xmlns:a="http://schemas.openxmlformats.org/drawingml/2006/main" xmlns:r="http://schemas.openxmlformats.org/officeDocument/2006/relationships" xmlns:p="http://schemas.openxmlformats.org/presentationml/2006/main">
+  <p:cSld>
+    <p:spTree>
+      <p:nvGrpSpPr>
+        <p:cNvPr id="1" name=""/>
+        <p:cNvGrpSpPr/>
+        <p:nvPr/>
+      </p:nvGrpSpPr>
+      <p:grpSpPr>
+        <a:xfrm>
+          <a:off x="0" y="0"/>
+          <a:ext cx="0" cy="0"/>
+          <a:chOff x="0" y="0"/>
+          <a:chExt cx="0" cy="0"/>
+        </a:xfrm>
+      </p:grpSpPr>
+      <p:sp>
+        <p:nvSpPr>
+          <p:cNvPr id="37" name="직사각형 36"/>
+          <p:cNvSpPr/>
+          <p:nvPr/>
+        </p:nvSpPr>
+        <p:spPr>
+          <a:xfrm>
+            <a:off x="1180996" y="440059"/>
+            <a:ext cx="7589718" cy="584775"/>
+          </a:xfrm>
+          <a:prstGeom prst="rect">
+            <a:avLst/>
+          </a:prstGeom>
+        </p:spPr>
+        <p:txBody>
+          <a:bodyPr wrap="square">
+            <a:spAutoFit/>
+          </a:bodyPr>
+          <a:lstStyle/>
+          <a:p>
+            <a:pPr lvl="0" latinLnBrk="0">
+              <a:defRPr/>
+            </a:pPr>
+            <a:r>
+              <a:rPr lang="en-US" altLang="ko-KR" sz="3200" b="1" kern="0" dirty="0">
+                <a:solidFill>
+                  <a:srgbClr val="00B0F0"/>
+                </a:solidFill>
+                <a:latin typeface="+mj-ea"/>
+                <a:ea typeface="+mj-ea"/>
+              </a:rPr>
+              <a:t>05. HTML5 </a:t>
+            </a:r>
+            <a:r>
+              <a:rPr lang="ko-KR" altLang="en-US" sz="3200" b="1" kern="0" dirty="0">
+                <a:solidFill>
+                  <a:srgbClr val="00B0F0"/>
+                </a:solidFill>
+                <a:latin typeface="+mj-ea"/>
+                <a:ea typeface="+mj-ea"/>
+              </a:rPr>
+              <a:t>돔</a:t>
+            </a:r>
+            <a:r>
+              <a:rPr lang="en-US" altLang="ko-KR" sz="3200" b="1" kern="0" dirty="0">
+                <a:solidFill>
+                  <a:srgbClr val="00B0F0"/>
+                </a:solidFill>
+                <a:latin typeface="+mj-ea"/>
+                <a:ea typeface="+mj-ea"/>
+              </a:rPr>
+              <a:t>(DOM)</a:t>
+            </a:r>
+            <a:endParaRPr lang="ko-KR" altLang="en-US" sz="3200" kern="0" dirty="0">
+              <a:solidFill>
+                <a:srgbClr val="00B0F0"/>
+              </a:solidFill>
+              <a:latin typeface="+mj-ea"/>
+              <a:ea typeface="+mj-ea"/>
+            </a:endParaRPr>
+          </a:p>
+        </p:txBody>
+      </p:sp>
+      <p:grpSp>
+        <p:nvGrpSpPr>
+          <p:cNvPr id="4" name="그룹 3"/>
+          <p:cNvGrpSpPr/>
+          <p:nvPr/>
+        </p:nvGrpSpPr>
+        <p:grpSpPr>
+          <a:xfrm>
+            <a:off x="727539" y="169765"/>
+            <a:ext cx="10736921" cy="6307846"/>
+            <a:chOff x="799019" y="274573"/>
+            <a:chExt cx="10736921" cy="6307846"/>
+          </a:xfrm>
+        </p:grpSpPr>
+        <p:sp>
+          <p:nvSpPr>
+            <p:cNvPr id="3" name="양쪽 모서리가 둥근 사각형 2"/>
+            <p:cNvSpPr/>
+            <p:nvPr/>
+          </p:nvSpPr>
+          <p:spPr>
+            <a:xfrm rot="16200000">
+              <a:off x="3407384" y="-1460889"/>
+              <a:ext cx="5340191" cy="10556921"/>
+            </a:xfrm>
+            <a:prstGeom prst="round2SameRect">
+              <a:avLst>
+                <a:gd name="adj1" fmla="val 7868"/>
+                <a:gd name="adj2" fmla="val 0"/>
+              </a:avLst>
+            </a:prstGeom>
+            <a:pattFill prst="dotGrid">
+              <a:fgClr>
+                <a:schemeClr val="accent1">
+                  <a:lumMod val="20000"/>
+                  <a:lumOff val="80000"/>
+                </a:schemeClr>
+              </a:fgClr>
+              <a:bgClr>
+                <a:schemeClr val="bg1"/>
+              </a:bgClr>
+            </a:pattFill>
+            <a:ln>
+              <a:noFill/>
+            </a:ln>
+          </p:spPr>
+          <p:style>
+            <a:lnRef idx="2">
+              <a:schemeClr val="accent1">
+                <a:shade val="50000"/>
+              </a:schemeClr>
+            </a:lnRef>
+            <a:fillRef idx="1">
+              <a:schemeClr val="accent1"/>
+            </a:fillRef>
+            <a:effectRef idx="0">
+              <a:schemeClr val="accent1"/>
+            </a:effectRef>
+            <a:fontRef idx="minor">
+              <a:schemeClr val="lt1"/>
+            </a:fontRef>
+          </p:style>
+          <p:txBody>
+            <a:bodyPr rtlCol="0" anchor="ctr"/>
+            <a:lstStyle/>
+            <a:p>
+              <a:pPr algn="ctr"/>
+              <a:r>
+                <a:rPr lang="ko-KR" altLang="en-US" dirty="0" err="1"/>
+                <a:t>ㅎ</a:t>
+              </a:r>
+              <a:endParaRPr lang="ko-KR" altLang="en-US" dirty="0"/>
+            </a:p>
+          </p:txBody>
+        </p:sp>
+        <p:sp>
+          <p:nvSpPr>
+            <p:cNvPr id="8" name="양쪽 모서리가 둥근 사각형 7"/>
+            <p:cNvSpPr/>
+            <p:nvPr/>
+          </p:nvSpPr>
+          <p:spPr>
+            <a:xfrm>
+              <a:off x="799020" y="274573"/>
+              <a:ext cx="180000" cy="180000"/>
+            </a:xfrm>
+            <a:prstGeom prst="round2SameRect">
+              <a:avLst>
+                <a:gd name="adj1" fmla="val 48836"/>
+                <a:gd name="adj2" fmla="val 50000"/>
+              </a:avLst>
+            </a:prstGeom>
+            <a:solidFill>
+              <a:schemeClr val="bg1"/>
+            </a:solidFill>
+            <a:ln w="31750">
+              <a:solidFill>
+                <a:srgbClr val="00B0F0"/>
+              </a:solidFill>
+            </a:ln>
+          </p:spPr>
+          <p:style>
+            <a:lnRef idx="2">
+              <a:schemeClr val="accent1">
+                <a:shade val="50000"/>
+              </a:schemeClr>
+            </a:lnRef>
+            <a:fillRef idx="1">
+              <a:schemeClr val="accent1"/>
+            </a:fillRef>
+            <a:effectRef idx="0">
+              <a:schemeClr val="accent1"/>
+            </a:effectRef>
+            <a:fontRef idx="minor">
+              <a:schemeClr val="lt1"/>
+            </a:fontRef>
+          </p:style>
+          <p:txBody>
+            <a:bodyPr rtlCol="0" anchor="ctr"/>
+            <a:lstStyle/>
+            <a:p>
+              <a:pPr algn="ctr"/>
+              <a:endParaRPr lang="ko-KR" altLang="en-US"/>
+            </a:p>
+          </p:txBody>
+        </p:sp>
+        <p:sp>
+          <p:nvSpPr>
+            <p:cNvPr id="14" name="왼쪽 대괄호 13"/>
+            <p:cNvSpPr/>
+            <p:nvPr/>
+          </p:nvSpPr>
+          <p:spPr>
+            <a:xfrm flipH="1">
+              <a:off x="11153964" y="364572"/>
+              <a:ext cx="381976" cy="793627"/>
+            </a:xfrm>
+            <a:prstGeom prst="leftBracket">
+              <a:avLst>
+                <a:gd name="adj" fmla="val 103069"/>
+              </a:avLst>
+            </a:prstGeom>
+            <a:ln w="31750">
+              <a:solidFill>
+                <a:srgbClr val="00B0F0"/>
+              </a:solidFill>
+            </a:ln>
+          </p:spPr>
+          <p:style>
+            <a:lnRef idx="1">
+              <a:schemeClr val="accent1"/>
+            </a:lnRef>
+            <a:fillRef idx="0">
+              <a:schemeClr val="accent1"/>
+            </a:fillRef>
+            <a:effectRef idx="0">
+              <a:schemeClr val="accent1"/>
+            </a:effectRef>
+            <a:fontRef idx="minor">
+              <a:schemeClr val="tx1"/>
+            </a:fontRef>
+          </p:style>
+          <p:txBody>
+            <a:bodyPr rtlCol="0" anchor="ctr"/>
+            <a:lstStyle/>
+            <a:p>
+              <a:pPr algn="ctr"/>
+              <a:endParaRPr lang="ko-KR" altLang="en-US"/>
+            </a:p>
+          </p:txBody>
+        </p:sp>
+        <p:cxnSp>
+          <p:nvCxnSpPr>
+            <p:cNvPr id="19" name="직선 연결선 18"/>
+            <p:cNvCxnSpPr/>
+            <p:nvPr/>
+          </p:nvCxnSpPr>
+          <p:spPr>
+            <a:xfrm flipV="1">
+              <a:off x="979021" y="364573"/>
+              <a:ext cx="10174943" cy="2739"/>
+            </a:xfrm>
+            <a:prstGeom prst="line">
+              <a:avLst/>
+            </a:prstGeom>
+            <a:ln w="31750">
+              <a:solidFill>
+                <a:srgbClr val="00B0F0"/>
+              </a:solidFill>
+            </a:ln>
+          </p:spPr>
+          <p:style>
+            <a:lnRef idx="1">
+              <a:schemeClr val="accent1"/>
+            </a:lnRef>
+            <a:fillRef idx="0">
+              <a:schemeClr val="accent1"/>
+            </a:fillRef>
+            <a:effectRef idx="0">
+              <a:schemeClr val="accent1"/>
+            </a:effectRef>
+            <a:fontRef idx="minor">
+              <a:schemeClr val="tx1"/>
+            </a:fontRef>
+          </p:style>
+        </p:cxnSp>
+        <p:cxnSp>
+          <p:nvCxnSpPr>
+            <p:cNvPr id="21" name="직선 연결선 20"/>
+            <p:cNvCxnSpPr>
+              <a:stCxn id="22" idx="0"/>
+            </p:cNvCxnSpPr>
+            <p:nvPr/>
+          </p:nvCxnSpPr>
+          <p:spPr>
+            <a:xfrm>
+              <a:off x="1180996" y="1149234"/>
+              <a:ext cx="9972967" cy="8966"/>
+            </a:xfrm>
+            <a:prstGeom prst="line">
+              <a:avLst/>
+            </a:prstGeom>
+            <a:ln w="31750">
+              <a:solidFill>
+                <a:srgbClr val="00B0F0"/>
+              </a:solidFill>
+            </a:ln>
+          </p:spPr>
+          <p:style>
+            <a:lnRef idx="1">
+              <a:schemeClr val="accent1"/>
+            </a:lnRef>
+            <a:fillRef idx="0">
+              <a:schemeClr val="accent1"/>
+            </a:fillRef>
+            <a:effectRef idx="0">
+              <a:schemeClr val="accent1"/>
+            </a:effectRef>
+            <a:fontRef idx="minor">
+              <a:schemeClr val="tx1"/>
+            </a:fontRef>
+          </p:style>
+        </p:cxnSp>
+        <p:sp>
+          <p:nvSpPr>
+            <p:cNvPr id="22" name="왼쪽 대괄호 21"/>
+            <p:cNvSpPr/>
+            <p:nvPr/>
+          </p:nvSpPr>
+          <p:spPr>
+            <a:xfrm>
+              <a:off x="799020" y="1149234"/>
+              <a:ext cx="381976" cy="5338434"/>
+            </a:xfrm>
+            <a:prstGeom prst="leftBracket">
+              <a:avLst>
+                <a:gd name="adj" fmla="val 103069"/>
+              </a:avLst>
+            </a:prstGeom>
+            <a:ln w="31750">
+              <a:solidFill>
+                <a:srgbClr val="00B0F0"/>
+              </a:solidFill>
+            </a:ln>
+          </p:spPr>
+          <p:style>
+            <a:lnRef idx="1">
+              <a:schemeClr val="accent1"/>
+            </a:lnRef>
+            <a:fillRef idx="0">
+              <a:schemeClr val="accent1"/>
+            </a:fillRef>
+            <a:effectRef idx="0">
+              <a:schemeClr val="accent1"/>
+            </a:effectRef>
+            <a:fontRef idx="minor">
+              <a:schemeClr val="tx1"/>
+            </a:fontRef>
+          </p:style>
+          <p:txBody>
+            <a:bodyPr rtlCol="0" anchor="ctr"/>
+            <a:lstStyle/>
+            <a:p>
+              <a:pPr algn="ctr"/>
+              <a:endParaRPr lang="ko-KR" altLang="en-US"/>
+            </a:p>
+          </p:txBody>
+        </p:sp>
+        <p:cxnSp>
+          <p:nvCxnSpPr>
+            <p:cNvPr id="27" name="직선 연결선 26"/>
+            <p:cNvCxnSpPr>
+              <a:endCxn id="31" idx="2"/>
+            </p:cNvCxnSpPr>
+            <p:nvPr/>
+          </p:nvCxnSpPr>
+          <p:spPr>
+            <a:xfrm>
+              <a:off x="1180996" y="6492419"/>
+              <a:ext cx="10174943" cy="0"/>
+            </a:xfrm>
+            <a:prstGeom prst="line">
+              <a:avLst/>
+            </a:prstGeom>
+            <a:ln w="31750">
+              <a:solidFill>
+                <a:srgbClr val="00B0F0"/>
+              </a:solidFill>
+            </a:ln>
+          </p:spPr>
+          <p:style>
+            <a:lnRef idx="1">
+              <a:schemeClr val="accent1"/>
+            </a:lnRef>
+            <a:fillRef idx="0">
+              <a:schemeClr val="accent1"/>
+            </a:fillRef>
+            <a:effectRef idx="0">
+              <a:schemeClr val="accent1"/>
+            </a:effectRef>
+            <a:fontRef idx="minor">
+              <a:schemeClr val="tx1"/>
+            </a:fontRef>
+          </p:style>
+        </p:cxnSp>
+        <p:sp>
+          <p:nvSpPr>
+            <p:cNvPr id="18" name="Freeform 14"/>
+            <p:cNvSpPr>
+              <a:spLocks/>
+            </p:cNvSpPr>
+            <p:nvPr/>
+          </p:nvSpPr>
+          <p:spPr bwMode="auto">
+            <a:xfrm>
+              <a:off x="10743389" y="659074"/>
+              <a:ext cx="16316" cy="16316"/>
+            </a:xfrm>
+            <a:custGeom>
+              <a:avLst/>
+              <a:gdLst>
+                <a:gd name="T0" fmla="*/ 57 w 57"/>
+                <a:gd name="T1" fmla="*/ 28 h 57"/>
+                <a:gd name="T2" fmla="*/ 55 w 57"/>
+                <a:gd name="T3" fmla="*/ 40 h 57"/>
+                <a:gd name="T4" fmla="*/ 40 w 57"/>
+                <a:gd name="T5" fmla="*/ 54 h 57"/>
+                <a:gd name="T6" fmla="*/ 29 w 57"/>
+                <a:gd name="T7" fmla="*/ 57 h 57"/>
+                <a:gd name="T8" fmla="*/ 17 w 57"/>
+                <a:gd name="T9" fmla="*/ 54 h 57"/>
+                <a:gd name="T10" fmla="*/ 3 w 57"/>
+                <a:gd name="T11" fmla="*/ 40 h 57"/>
+                <a:gd name="T12" fmla="*/ 0 w 57"/>
+                <a:gd name="T13" fmla="*/ 28 h 57"/>
+                <a:gd name="T14" fmla="*/ 3 w 57"/>
+                <a:gd name="T15" fmla="*/ 17 h 57"/>
+                <a:gd name="T16" fmla="*/ 17 w 57"/>
+                <a:gd name="T17" fmla="*/ 2 h 57"/>
+                <a:gd name="T18" fmla="*/ 29 w 57"/>
+                <a:gd name="T19" fmla="*/ 0 h 57"/>
+                <a:gd name="T20" fmla="*/ 40 w 57"/>
+                <a:gd name="T21" fmla="*/ 2 h 57"/>
+                <a:gd name="T22" fmla="*/ 55 w 57"/>
+                <a:gd name="T23" fmla="*/ 17 h 57"/>
+                <a:gd name="T24" fmla="*/ 57 w 57"/>
+                <a:gd name="T25" fmla="*/ 28 h 57"/>
+              </a:gdLst>
+              <a:ahLst/>
+              <a:cxnLst>
+                <a:cxn ang="0">
+                  <a:pos x="T0" y="T1"/>
+                </a:cxn>
+                <a:cxn ang="0">
+                  <a:pos x="T2" y="T3"/>
+                </a:cxn>
+                <a:cxn ang="0">
+                  <a:pos x="T4" y="T5"/>
+                </a:cxn>
+                <a:cxn ang="0">
+                  <a:pos x="T6" y="T7"/>
+                </a:cxn>
+                <a:cxn ang="0">
+                  <a:pos x="T8" y="T9"/>
+                </a:cxn>
+                <a:cxn ang="0">
+                  <a:pos x="T10" y="T11"/>
+                </a:cxn>
+                <a:cxn ang="0">
+                  <a:pos x="T12" y="T13"/>
+                </a:cxn>
+                <a:cxn ang="0">
+                  <a:pos x="T14" y="T15"/>
+                </a:cxn>
+                <a:cxn ang="0">
+                  <a:pos x="T16" y="T17"/>
+                </a:cxn>
+                <a:cxn ang="0">
+                  <a:pos x="T18" y="T19"/>
+                </a:cxn>
+                <a:cxn ang="0">
+                  <a:pos x="T20" y="T21"/>
+                </a:cxn>
+                <a:cxn ang="0">
+                  <a:pos x="T22" y="T23"/>
+                </a:cxn>
+                <a:cxn ang="0">
+                  <a:pos x="T24" y="T25"/>
+                </a:cxn>
+              </a:cxnLst>
+              <a:rect l="0" t="0" r="r" b="b"/>
+              <a:pathLst>
+                <a:path w="57" h="57">
+                  <a:moveTo>
+                    <a:pt x="57" y="28"/>
+                  </a:moveTo>
+                  <a:lnTo>
+                    <a:pt x="55" y="40"/>
+                  </a:lnTo>
+                  <a:lnTo>
+                    <a:pt x="40" y="54"/>
+                  </a:lnTo>
+                  <a:lnTo>
+                    <a:pt x="29" y="57"/>
+                  </a:lnTo>
+                  <a:lnTo>
+                    <a:pt x="17" y="54"/>
+                  </a:lnTo>
+                  <a:lnTo>
+                    <a:pt x="3" y="40"/>
+                  </a:lnTo>
+                  <a:lnTo>
+                    <a:pt x="0" y="28"/>
+                  </a:lnTo>
+                  <a:lnTo>
+                    <a:pt x="3" y="17"/>
+                  </a:lnTo>
+                  <a:lnTo>
+                    <a:pt x="17" y="2"/>
+                  </a:lnTo>
+                  <a:lnTo>
+                    <a:pt x="29" y="0"/>
+                  </a:lnTo>
+                  <a:lnTo>
+                    <a:pt x="40" y="2"/>
+                  </a:lnTo>
+                  <a:lnTo>
+                    <a:pt x="55" y="17"/>
+                  </a:lnTo>
+                  <a:lnTo>
+                    <a:pt x="57" y="28"/>
+                  </a:lnTo>
+                  <a:close/>
+                </a:path>
+              </a:pathLst>
+            </a:custGeom>
+            <a:solidFill>
+              <a:srgbClr val="FFFFFF"/>
+            </a:solidFill>
+            <a:ln>
+              <a:noFill/>
+            </a:ln>
+            <a:extLst>
+              <a:ext uri="{91240B29-F687-4F45-9708-019B960494DF}">
+                <a14:hiddenLine xmlns:a14="http://schemas.microsoft.com/office/drawing/2010/main" w="9525">
+                  <a:solidFill>
+                    <a:srgbClr val="000000"/>
+                  </a:solidFill>
+                  <a:round/>
+                  <a:headEnd/>
+                  <a:tailEnd/>
+                </a14:hiddenLine>
+              </a:ext>
+            </a:extLst>
+          </p:spPr>
+          <p:txBody>
+            <a:bodyPr vert="horz" wrap="square" lIns="91440" tIns="45720" rIns="91440" bIns="45720" numCol="1" anchor="t" anchorCtr="0" compatLnSpc="1">
+              <a:prstTxWarp prst="textNoShape">
+                <a:avLst/>
+              </a:prstTxWarp>
+            </a:bodyPr>
+            <a:lstStyle/>
+            <a:p>
+              <a:endParaRPr lang="ko-KR" altLang="en-US"/>
+            </a:p>
+          </p:txBody>
+        </p:sp>
+        <p:sp>
+          <p:nvSpPr>
+            <p:cNvPr id="31" name="양쪽 모서리가 둥근 사각형 30"/>
+            <p:cNvSpPr/>
+            <p:nvPr/>
+          </p:nvSpPr>
+          <p:spPr>
+            <a:xfrm>
+              <a:off x="11355939" y="6402419"/>
+              <a:ext cx="180000" cy="180000"/>
+            </a:xfrm>
+            <a:prstGeom prst="round2SameRect">
+              <a:avLst>
+                <a:gd name="adj1" fmla="val 48836"/>
+                <a:gd name="adj2" fmla="val 50000"/>
+              </a:avLst>
+            </a:prstGeom>
+            <a:solidFill>
+              <a:schemeClr val="bg1"/>
+            </a:solidFill>
+            <a:ln w="31750">
+              <a:solidFill>
+                <a:srgbClr val="00B0F0"/>
+              </a:solidFill>
+            </a:ln>
+          </p:spPr>
+          <p:style>
+            <a:lnRef idx="2">
+              <a:schemeClr val="accent1">
+                <a:shade val="50000"/>
+              </a:schemeClr>
+            </a:lnRef>
+            <a:fillRef idx="1">
+              <a:schemeClr val="accent1"/>
+            </a:fillRef>
+            <a:effectRef idx="0">
+              <a:schemeClr val="accent1"/>
+            </a:effectRef>
+            <a:fontRef idx="minor">
+              <a:schemeClr val="lt1"/>
+            </a:fontRef>
+          </p:style>
+          <p:txBody>
+            <a:bodyPr rtlCol="0" anchor="ctr"/>
+            <a:lstStyle/>
+            <a:p>
+              <a:pPr algn="ctr"/>
+              <a:endParaRPr lang="ko-KR" altLang="en-US"/>
+            </a:p>
+          </p:txBody>
+        </p:sp>
+      </p:grpSp>
+      <p:sp>
+        <p:nvSpPr>
+          <p:cNvPr id="2" name="TextBox 1">
+            <a:extLst>
+              <a:ext uri="{FF2B5EF4-FFF2-40B4-BE49-F238E27FC236}">
+                <a16:creationId xmlns:a16="http://schemas.microsoft.com/office/drawing/2014/main" id="{E894F97F-C073-7F6D-9F7B-CCE539AE50CB}"/>
+              </a:ext>
+            </a:extLst>
+          </p:cNvPr>
+          <p:cNvSpPr txBox="1"/>
+          <p:nvPr/>
+        </p:nvSpPr>
+        <p:spPr>
+          <a:xfrm>
             <a:off x="1474840" y="1525476"/>
             <a:ext cx="9881100" cy="2585323"/>
           </a:xfrm>
@@ -11004,36 +11790,6 @@
           </a:p>
         </p:txBody>
       </p:sp>
-      <p:pic>
-        <p:nvPicPr>
-          <p:cNvPr id="6" name="그림 5">
-            <a:extLst>
-              <a:ext uri="{FF2B5EF4-FFF2-40B4-BE49-F238E27FC236}">
-                <a16:creationId xmlns:a16="http://schemas.microsoft.com/office/drawing/2014/main" id="{7BBA2A9E-A48B-A89E-0FB1-29065CBFCB67}"/>
-              </a:ext>
-            </a:extLst>
-          </p:cNvPr>
-          <p:cNvPicPr>
-            <a:picLocks noChangeAspect="1"/>
-          </p:cNvPicPr>
-          <p:nvPr/>
-        </p:nvPicPr>
-        <p:blipFill>
-          <a:blip r:embed="rId2"/>
-          <a:stretch>
-            <a:fillRect/>
-          </a:stretch>
-        </p:blipFill>
-        <p:spPr>
-          <a:xfrm>
-            <a:off x="1180996" y="2988726"/>
-            <a:ext cx="4381500" cy="3286125"/>
-          </a:xfrm>
-          <a:prstGeom prst="rect">
-            <a:avLst/>
-          </a:prstGeom>
-        </p:spPr>
-      </p:pic>
       <p:pic>
         <p:nvPicPr>
           <p:cNvPr id="9" name="그림 8">
@@ -11049,7 +11805,7 @@
           <p:nvPr/>
         </p:nvPicPr>
         <p:blipFill>
-          <a:blip r:embed="rId3"/>
+          <a:blip r:embed="rId2"/>
           <a:stretch>
             <a:fillRect/>
           </a:stretch>
@@ -11079,7 +11835,7 @@
           <p:nvPr/>
         </p:nvPicPr>
         <p:blipFill>
-          <a:blip r:embed="rId4"/>
+          <a:blip r:embed="rId3"/>
           <a:stretch>
             <a:fillRect/>
           </a:stretch>
@@ -11088,6 +11844,36 @@
           <a:xfrm>
             <a:off x="6096000" y="4974290"/>
             <a:ext cx="3324861" cy="572615"/>
+          </a:xfrm>
+          <a:prstGeom prst="rect">
+            <a:avLst/>
+          </a:prstGeom>
+        </p:spPr>
+      </p:pic>
+      <p:pic>
+        <p:nvPicPr>
+          <p:cNvPr id="7" name="그림 6">
+            <a:extLst>
+              <a:ext uri="{FF2B5EF4-FFF2-40B4-BE49-F238E27FC236}">
+                <a16:creationId xmlns:a16="http://schemas.microsoft.com/office/drawing/2014/main" id="{D45BA8B2-E159-C3A2-DE68-0267C4332A7B}"/>
+              </a:ext>
+            </a:extLst>
+          </p:cNvPr>
+          <p:cNvPicPr>
+            <a:picLocks noChangeAspect="1"/>
+          </p:cNvPicPr>
+          <p:nvPr/>
+        </p:nvPicPr>
+        <p:blipFill>
+          <a:blip r:embed="rId4"/>
+          <a:stretch>
+            <a:fillRect/>
+          </a:stretch>
+        </p:blipFill>
+        <p:spPr>
+          <a:xfrm>
+            <a:off x="1582948" y="2761390"/>
+            <a:ext cx="3655096" cy="3295578"/>
           </a:xfrm>
           <a:prstGeom prst="rect">
             <a:avLst/>
@@ -11107,7 +11893,7 @@
 </p:sld>
 </file>
 
-<file path=ppt/slides/slide15.xml><?xml version="1.0" encoding="utf-8"?>
+<file path=ppt/slides/slide16.xml><?xml version="1.0" encoding="utf-8"?>
 <p:sld xmlns:a="http://schemas.openxmlformats.org/drawingml/2006/main" xmlns:r="http://schemas.openxmlformats.org/officeDocument/2006/relationships" xmlns:p="http://schemas.openxmlformats.org/presentationml/2006/main">
   <p:cSld>
     <p:spTree>
@@ -11947,7 +12733,7 @@
 </p:sld>
 </file>
 
-<file path=ppt/slides/slide16.xml><?xml version="1.0" encoding="utf-8"?>
+<file path=ppt/slides/slide17.xml><?xml version="1.0" encoding="utf-8"?>
 <p:sld xmlns:a="http://schemas.openxmlformats.org/drawingml/2006/main" xmlns:r="http://schemas.openxmlformats.org/officeDocument/2006/relationships" xmlns:p="http://schemas.openxmlformats.org/presentationml/2006/main">
   <p:cSld>
     <p:spTree>
@@ -12597,806 +13383,6 @@
     <p:extLst>
       <p:ext uri="{BB962C8B-B14F-4D97-AF65-F5344CB8AC3E}">
         <p14:creationId xmlns:p14="http://schemas.microsoft.com/office/powerpoint/2010/main" val="1317042925"/>
-      </p:ext>
-    </p:extLst>
-  </p:cSld>
-  <p:clrMapOvr>
-    <a:masterClrMapping/>
-  </p:clrMapOvr>
-</p:sld>
-</file>
-
-<file path=ppt/slides/slide17.xml><?xml version="1.0" encoding="utf-8"?>
-<p:sld xmlns:a="http://schemas.openxmlformats.org/drawingml/2006/main" xmlns:r="http://schemas.openxmlformats.org/officeDocument/2006/relationships" xmlns:p="http://schemas.openxmlformats.org/presentationml/2006/main">
-  <p:cSld>
-    <p:spTree>
-      <p:nvGrpSpPr>
-        <p:cNvPr id="1" name=""/>
-        <p:cNvGrpSpPr/>
-        <p:nvPr/>
-      </p:nvGrpSpPr>
-      <p:grpSpPr>
-        <a:xfrm>
-          <a:off x="0" y="0"/>
-          <a:ext cx="0" cy="0"/>
-          <a:chOff x="0" y="0"/>
-          <a:chExt cx="0" cy="0"/>
-        </a:xfrm>
-      </p:grpSpPr>
-      <p:sp>
-        <p:nvSpPr>
-          <p:cNvPr id="37" name="직사각형 36"/>
-          <p:cNvSpPr/>
-          <p:nvPr/>
-        </p:nvSpPr>
-        <p:spPr>
-          <a:xfrm>
-            <a:off x="1180996" y="440059"/>
-            <a:ext cx="7589718" cy="584775"/>
-          </a:xfrm>
-          <a:prstGeom prst="rect">
-            <a:avLst/>
-          </a:prstGeom>
-        </p:spPr>
-        <p:txBody>
-          <a:bodyPr wrap="square">
-            <a:spAutoFit/>
-          </a:bodyPr>
-          <a:lstStyle/>
-          <a:p>
-            <a:pPr lvl="0" latinLnBrk="0">
-              <a:defRPr/>
-            </a:pPr>
-            <a:r>
-              <a:rPr lang="en-US" altLang="ko-KR" sz="3200" b="1" kern="0" dirty="0">
-                <a:solidFill>
-                  <a:srgbClr val="00B0F0"/>
-                </a:solidFill>
-                <a:latin typeface="+mj-ea"/>
-                <a:ea typeface="+mj-ea"/>
-              </a:rPr>
-              <a:t>05. HTML5 </a:t>
-            </a:r>
-            <a:r>
-              <a:rPr lang="ko-KR" altLang="en-US" sz="3200" b="1" kern="0" dirty="0">
-                <a:solidFill>
-                  <a:srgbClr val="00B0F0"/>
-                </a:solidFill>
-                <a:latin typeface="+mj-ea"/>
-                <a:ea typeface="+mj-ea"/>
-              </a:rPr>
-              <a:t>돔</a:t>
-            </a:r>
-            <a:r>
-              <a:rPr lang="en-US" altLang="ko-KR" sz="3200" b="1" kern="0" dirty="0">
-                <a:solidFill>
-                  <a:srgbClr val="00B0F0"/>
-                </a:solidFill>
-                <a:latin typeface="+mj-ea"/>
-                <a:ea typeface="+mj-ea"/>
-              </a:rPr>
-              <a:t>(DOM)</a:t>
-            </a:r>
-            <a:endParaRPr lang="ko-KR" altLang="en-US" sz="3200" kern="0" dirty="0">
-              <a:solidFill>
-                <a:srgbClr val="00B0F0"/>
-              </a:solidFill>
-              <a:latin typeface="+mj-ea"/>
-              <a:ea typeface="+mj-ea"/>
-            </a:endParaRPr>
-          </a:p>
-        </p:txBody>
-      </p:sp>
-      <p:grpSp>
-        <p:nvGrpSpPr>
-          <p:cNvPr id="4" name="그룹 3"/>
-          <p:cNvGrpSpPr/>
-          <p:nvPr/>
-        </p:nvGrpSpPr>
-        <p:grpSpPr>
-          <a:xfrm>
-            <a:off x="799019" y="203397"/>
-            <a:ext cx="10736921" cy="6307846"/>
-            <a:chOff x="799019" y="274573"/>
-            <a:chExt cx="10736921" cy="6307846"/>
-          </a:xfrm>
-        </p:grpSpPr>
-        <p:sp>
-          <p:nvSpPr>
-            <p:cNvPr id="3" name="양쪽 모서리가 둥근 사각형 2"/>
-            <p:cNvSpPr/>
-            <p:nvPr/>
-          </p:nvSpPr>
-          <p:spPr>
-            <a:xfrm rot="16200000">
-              <a:off x="3407384" y="-1460889"/>
-              <a:ext cx="5340191" cy="10556921"/>
-            </a:xfrm>
-            <a:prstGeom prst="round2SameRect">
-              <a:avLst>
-                <a:gd name="adj1" fmla="val 7868"/>
-                <a:gd name="adj2" fmla="val 0"/>
-              </a:avLst>
-            </a:prstGeom>
-            <a:pattFill prst="dotGrid">
-              <a:fgClr>
-                <a:schemeClr val="accent1">
-                  <a:lumMod val="20000"/>
-                  <a:lumOff val="80000"/>
-                </a:schemeClr>
-              </a:fgClr>
-              <a:bgClr>
-                <a:schemeClr val="bg1"/>
-              </a:bgClr>
-            </a:pattFill>
-            <a:ln>
-              <a:noFill/>
-            </a:ln>
-          </p:spPr>
-          <p:style>
-            <a:lnRef idx="2">
-              <a:schemeClr val="accent1">
-                <a:shade val="50000"/>
-              </a:schemeClr>
-            </a:lnRef>
-            <a:fillRef idx="1">
-              <a:schemeClr val="accent1"/>
-            </a:fillRef>
-            <a:effectRef idx="0">
-              <a:schemeClr val="accent1"/>
-            </a:effectRef>
-            <a:fontRef idx="minor">
-              <a:schemeClr val="lt1"/>
-            </a:fontRef>
-          </p:style>
-          <p:txBody>
-            <a:bodyPr rtlCol="0" anchor="ctr"/>
-            <a:lstStyle/>
-            <a:p>
-              <a:pPr algn="ctr"/>
-              <a:endParaRPr lang="ko-KR" altLang="en-US" dirty="0"/>
-            </a:p>
-          </p:txBody>
-        </p:sp>
-        <p:sp>
-          <p:nvSpPr>
-            <p:cNvPr id="8" name="양쪽 모서리가 둥근 사각형 7"/>
-            <p:cNvSpPr/>
-            <p:nvPr/>
-          </p:nvSpPr>
-          <p:spPr>
-            <a:xfrm>
-              <a:off x="799020" y="274573"/>
-              <a:ext cx="180000" cy="180000"/>
-            </a:xfrm>
-            <a:prstGeom prst="round2SameRect">
-              <a:avLst>
-                <a:gd name="adj1" fmla="val 48836"/>
-                <a:gd name="adj2" fmla="val 50000"/>
-              </a:avLst>
-            </a:prstGeom>
-            <a:solidFill>
-              <a:schemeClr val="bg1"/>
-            </a:solidFill>
-            <a:ln w="31750">
-              <a:solidFill>
-                <a:srgbClr val="00B0F0"/>
-              </a:solidFill>
-            </a:ln>
-          </p:spPr>
-          <p:style>
-            <a:lnRef idx="2">
-              <a:schemeClr val="accent1">
-                <a:shade val="50000"/>
-              </a:schemeClr>
-            </a:lnRef>
-            <a:fillRef idx="1">
-              <a:schemeClr val="accent1"/>
-            </a:fillRef>
-            <a:effectRef idx="0">
-              <a:schemeClr val="accent1"/>
-            </a:effectRef>
-            <a:fontRef idx="minor">
-              <a:schemeClr val="lt1"/>
-            </a:fontRef>
-          </p:style>
-          <p:txBody>
-            <a:bodyPr rtlCol="0" anchor="ctr"/>
-            <a:lstStyle/>
-            <a:p>
-              <a:pPr algn="ctr"/>
-              <a:endParaRPr lang="ko-KR" altLang="en-US"/>
-            </a:p>
-          </p:txBody>
-        </p:sp>
-        <p:sp>
-          <p:nvSpPr>
-            <p:cNvPr id="14" name="왼쪽 대괄호 13"/>
-            <p:cNvSpPr/>
-            <p:nvPr/>
-          </p:nvSpPr>
-          <p:spPr>
-            <a:xfrm flipH="1">
-              <a:off x="11153964" y="364572"/>
-              <a:ext cx="381976" cy="793627"/>
-            </a:xfrm>
-            <a:prstGeom prst="leftBracket">
-              <a:avLst>
-                <a:gd name="adj" fmla="val 103069"/>
-              </a:avLst>
-            </a:prstGeom>
-            <a:ln w="31750">
-              <a:solidFill>
-                <a:srgbClr val="00B0F0"/>
-              </a:solidFill>
-            </a:ln>
-          </p:spPr>
-          <p:style>
-            <a:lnRef idx="1">
-              <a:schemeClr val="accent1"/>
-            </a:lnRef>
-            <a:fillRef idx="0">
-              <a:schemeClr val="accent1"/>
-            </a:fillRef>
-            <a:effectRef idx="0">
-              <a:schemeClr val="accent1"/>
-            </a:effectRef>
-            <a:fontRef idx="minor">
-              <a:schemeClr val="tx1"/>
-            </a:fontRef>
-          </p:style>
-          <p:txBody>
-            <a:bodyPr rtlCol="0" anchor="ctr"/>
-            <a:lstStyle/>
-            <a:p>
-              <a:pPr algn="ctr"/>
-              <a:endParaRPr lang="ko-KR" altLang="en-US"/>
-            </a:p>
-          </p:txBody>
-        </p:sp>
-        <p:cxnSp>
-          <p:nvCxnSpPr>
-            <p:cNvPr id="19" name="직선 연결선 18"/>
-            <p:cNvCxnSpPr/>
-            <p:nvPr/>
-          </p:nvCxnSpPr>
-          <p:spPr>
-            <a:xfrm flipV="1">
-              <a:off x="979021" y="364573"/>
-              <a:ext cx="10174943" cy="2739"/>
-            </a:xfrm>
-            <a:prstGeom prst="line">
-              <a:avLst/>
-            </a:prstGeom>
-            <a:ln w="31750">
-              <a:solidFill>
-                <a:srgbClr val="00B0F0"/>
-              </a:solidFill>
-            </a:ln>
-          </p:spPr>
-          <p:style>
-            <a:lnRef idx="1">
-              <a:schemeClr val="accent1"/>
-            </a:lnRef>
-            <a:fillRef idx="0">
-              <a:schemeClr val="accent1"/>
-            </a:fillRef>
-            <a:effectRef idx="0">
-              <a:schemeClr val="accent1"/>
-            </a:effectRef>
-            <a:fontRef idx="minor">
-              <a:schemeClr val="tx1"/>
-            </a:fontRef>
-          </p:style>
-        </p:cxnSp>
-        <p:cxnSp>
-          <p:nvCxnSpPr>
-            <p:cNvPr id="21" name="직선 연결선 20"/>
-            <p:cNvCxnSpPr>
-              <a:stCxn id="22" idx="0"/>
-            </p:cNvCxnSpPr>
-            <p:nvPr/>
-          </p:nvCxnSpPr>
-          <p:spPr>
-            <a:xfrm>
-              <a:off x="1180996" y="1149234"/>
-              <a:ext cx="9972967" cy="8966"/>
-            </a:xfrm>
-            <a:prstGeom prst="line">
-              <a:avLst/>
-            </a:prstGeom>
-            <a:ln w="31750">
-              <a:solidFill>
-                <a:srgbClr val="00B0F0"/>
-              </a:solidFill>
-            </a:ln>
-          </p:spPr>
-          <p:style>
-            <a:lnRef idx="1">
-              <a:schemeClr val="accent1"/>
-            </a:lnRef>
-            <a:fillRef idx="0">
-              <a:schemeClr val="accent1"/>
-            </a:fillRef>
-            <a:effectRef idx="0">
-              <a:schemeClr val="accent1"/>
-            </a:effectRef>
-            <a:fontRef idx="minor">
-              <a:schemeClr val="tx1"/>
-            </a:fontRef>
-          </p:style>
-        </p:cxnSp>
-        <p:sp>
-          <p:nvSpPr>
-            <p:cNvPr id="22" name="왼쪽 대괄호 21"/>
-            <p:cNvSpPr/>
-            <p:nvPr/>
-          </p:nvSpPr>
-          <p:spPr>
-            <a:xfrm>
-              <a:off x="799020" y="1149234"/>
-              <a:ext cx="381976" cy="5338434"/>
-            </a:xfrm>
-            <a:prstGeom prst="leftBracket">
-              <a:avLst>
-                <a:gd name="adj" fmla="val 103069"/>
-              </a:avLst>
-            </a:prstGeom>
-            <a:ln w="31750">
-              <a:solidFill>
-                <a:srgbClr val="00B0F0"/>
-              </a:solidFill>
-            </a:ln>
-          </p:spPr>
-          <p:style>
-            <a:lnRef idx="1">
-              <a:schemeClr val="accent1"/>
-            </a:lnRef>
-            <a:fillRef idx="0">
-              <a:schemeClr val="accent1"/>
-            </a:fillRef>
-            <a:effectRef idx="0">
-              <a:schemeClr val="accent1"/>
-            </a:effectRef>
-            <a:fontRef idx="minor">
-              <a:schemeClr val="tx1"/>
-            </a:fontRef>
-          </p:style>
-          <p:txBody>
-            <a:bodyPr rtlCol="0" anchor="ctr"/>
-            <a:lstStyle/>
-            <a:p>
-              <a:pPr algn="ctr"/>
-              <a:endParaRPr lang="ko-KR" altLang="en-US"/>
-            </a:p>
-          </p:txBody>
-        </p:sp>
-        <p:cxnSp>
-          <p:nvCxnSpPr>
-            <p:cNvPr id="27" name="직선 연결선 26"/>
-            <p:cNvCxnSpPr>
-              <a:endCxn id="31" idx="2"/>
-            </p:cNvCxnSpPr>
-            <p:nvPr/>
-          </p:nvCxnSpPr>
-          <p:spPr>
-            <a:xfrm>
-              <a:off x="1180996" y="6492419"/>
-              <a:ext cx="10174943" cy="0"/>
-            </a:xfrm>
-            <a:prstGeom prst="line">
-              <a:avLst/>
-            </a:prstGeom>
-            <a:ln w="31750">
-              <a:solidFill>
-                <a:srgbClr val="00B0F0"/>
-              </a:solidFill>
-            </a:ln>
-          </p:spPr>
-          <p:style>
-            <a:lnRef idx="1">
-              <a:schemeClr val="accent1"/>
-            </a:lnRef>
-            <a:fillRef idx="0">
-              <a:schemeClr val="accent1"/>
-            </a:fillRef>
-            <a:effectRef idx="0">
-              <a:schemeClr val="accent1"/>
-            </a:effectRef>
-            <a:fontRef idx="minor">
-              <a:schemeClr val="tx1"/>
-            </a:fontRef>
-          </p:style>
-        </p:cxnSp>
-        <p:sp>
-          <p:nvSpPr>
-            <p:cNvPr id="18" name="Freeform 14"/>
-            <p:cNvSpPr>
-              <a:spLocks/>
-            </p:cNvSpPr>
-            <p:nvPr/>
-          </p:nvSpPr>
-          <p:spPr bwMode="auto">
-            <a:xfrm>
-              <a:off x="10743389" y="659074"/>
-              <a:ext cx="16316" cy="16316"/>
-            </a:xfrm>
-            <a:custGeom>
-              <a:avLst/>
-              <a:gdLst>
-                <a:gd name="T0" fmla="*/ 57 w 57"/>
-                <a:gd name="T1" fmla="*/ 28 h 57"/>
-                <a:gd name="T2" fmla="*/ 55 w 57"/>
-                <a:gd name="T3" fmla="*/ 40 h 57"/>
-                <a:gd name="T4" fmla="*/ 40 w 57"/>
-                <a:gd name="T5" fmla="*/ 54 h 57"/>
-                <a:gd name="T6" fmla="*/ 29 w 57"/>
-                <a:gd name="T7" fmla="*/ 57 h 57"/>
-                <a:gd name="T8" fmla="*/ 17 w 57"/>
-                <a:gd name="T9" fmla="*/ 54 h 57"/>
-                <a:gd name="T10" fmla="*/ 3 w 57"/>
-                <a:gd name="T11" fmla="*/ 40 h 57"/>
-                <a:gd name="T12" fmla="*/ 0 w 57"/>
-                <a:gd name="T13" fmla="*/ 28 h 57"/>
-                <a:gd name="T14" fmla="*/ 3 w 57"/>
-                <a:gd name="T15" fmla="*/ 17 h 57"/>
-                <a:gd name="T16" fmla="*/ 17 w 57"/>
-                <a:gd name="T17" fmla="*/ 2 h 57"/>
-                <a:gd name="T18" fmla="*/ 29 w 57"/>
-                <a:gd name="T19" fmla="*/ 0 h 57"/>
-                <a:gd name="T20" fmla="*/ 40 w 57"/>
-                <a:gd name="T21" fmla="*/ 2 h 57"/>
-                <a:gd name="T22" fmla="*/ 55 w 57"/>
-                <a:gd name="T23" fmla="*/ 17 h 57"/>
-                <a:gd name="T24" fmla="*/ 57 w 57"/>
-                <a:gd name="T25" fmla="*/ 28 h 57"/>
-              </a:gdLst>
-              <a:ahLst/>
-              <a:cxnLst>
-                <a:cxn ang="0">
-                  <a:pos x="T0" y="T1"/>
-                </a:cxn>
-                <a:cxn ang="0">
-                  <a:pos x="T2" y="T3"/>
-                </a:cxn>
-                <a:cxn ang="0">
-                  <a:pos x="T4" y="T5"/>
-                </a:cxn>
-                <a:cxn ang="0">
-                  <a:pos x="T6" y="T7"/>
-                </a:cxn>
-                <a:cxn ang="0">
-                  <a:pos x="T8" y="T9"/>
-                </a:cxn>
-                <a:cxn ang="0">
-                  <a:pos x="T10" y="T11"/>
-                </a:cxn>
-                <a:cxn ang="0">
-                  <a:pos x="T12" y="T13"/>
-                </a:cxn>
-                <a:cxn ang="0">
-                  <a:pos x="T14" y="T15"/>
-                </a:cxn>
-                <a:cxn ang="0">
-                  <a:pos x="T16" y="T17"/>
-                </a:cxn>
-                <a:cxn ang="0">
-                  <a:pos x="T18" y="T19"/>
-                </a:cxn>
-                <a:cxn ang="0">
-                  <a:pos x="T20" y="T21"/>
-                </a:cxn>
-                <a:cxn ang="0">
-                  <a:pos x="T22" y="T23"/>
-                </a:cxn>
-                <a:cxn ang="0">
-                  <a:pos x="T24" y="T25"/>
-                </a:cxn>
-              </a:cxnLst>
-              <a:rect l="0" t="0" r="r" b="b"/>
-              <a:pathLst>
-                <a:path w="57" h="57">
-                  <a:moveTo>
-                    <a:pt x="57" y="28"/>
-                  </a:moveTo>
-                  <a:lnTo>
-                    <a:pt x="55" y="40"/>
-                  </a:lnTo>
-                  <a:lnTo>
-                    <a:pt x="40" y="54"/>
-                  </a:lnTo>
-                  <a:lnTo>
-                    <a:pt x="29" y="57"/>
-                  </a:lnTo>
-                  <a:lnTo>
-                    <a:pt x="17" y="54"/>
-                  </a:lnTo>
-                  <a:lnTo>
-                    <a:pt x="3" y="40"/>
-                  </a:lnTo>
-                  <a:lnTo>
-                    <a:pt x="0" y="28"/>
-                  </a:lnTo>
-                  <a:lnTo>
-                    <a:pt x="3" y="17"/>
-                  </a:lnTo>
-                  <a:lnTo>
-                    <a:pt x="17" y="2"/>
-                  </a:lnTo>
-                  <a:lnTo>
-                    <a:pt x="29" y="0"/>
-                  </a:lnTo>
-                  <a:lnTo>
-                    <a:pt x="40" y="2"/>
-                  </a:lnTo>
-                  <a:lnTo>
-                    <a:pt x="55" y="17"/>
-                  </a:lnTo>
-                  <a:lnTo>
-                    <a:pt x="57" y="28"/>
-                  </a:lnTo>
-                  <a:close/>
-                </a:path>
-              </a:pathLst>
-            </a:custGeom>
-            <a:solidFill>
-              <a:srgbClr val="FFFFFF"/>
-            </a:solidFill>
-            <a:ln>
-              <a:noFill/>
-            </a:ln>
-            <a:extLst>
-              <a:ext uri="{91240B29-F687-4F45-9708-019B960494DF}">
-                <a14:hiddenLine xmlns:a14="http://schemas.microsoft.com/office/drawing/2010/main" w="9525">
-                  <a:solidFill>
-                    <a:srgbClr val="000000"/>
-                  </a:solidFill>
-                  <a:round/>
-                  <a:headEnd/>
-                  <a:tailEnd/>
-                </a14:hiddenLine>
-              </a:ext>
-            </a:extLst>
-          </p:spPr>
-          <p:txBody>
-            <a:bodyPr vert="horz" wrap="square" lIns="91440" tIns="45720" rIns="91440" bIns="45720" numCol="1" anchor="t" anchorCtr="0" compatLnSpc="1">
-              <a:prstTxWarp prst="textNoShape">
-                <a:avLst/>
-              </a:prstTxWarp>
-            </a:bodyPr>
-            <a:lstStyle/>
-            <a:p>
-              <a:endParaRPr lang="ko-KR" altLang="en-US"/>
-            </a:p>
-          </p:txBody>
-        </p:sp>
-        <p:sp>
-          <p:nvSpPr>
-            <p:cNvPr id="31" name="양쪽 모서리가 둥근 사각형 30"/>
-            <p:cNvSpPr/>
-            <p:nvPr/>
-          </p:nvSpPr>
-          <p:spPr>
-            <a:xfrm>
-              <a:off x="11355939" y="6402419"/>
-              <a:ext cx="180000" cy="180000"/>
-            </a:xfrm>
-            <a:prstGeom prst="round2SameRect">
-              <a:avLst>
-                <a:gd name="adj1" fmla="val 48836"/>
-                <a:gd name="adj2" fmla="val 50000"/>
-              </a:avLst>
-            </a:prstGeom>
-            <a:solidFill>
-              <a:schemeClr val="bg1"/>
-            </a:solidFill>
-            <a:ln w="31750">
-              <a:solidFill>
-                <a:srgbClr val="00B0F0"/>
-              </a:solidFill>
-            </a:ln>
-          </p:spPr>
-          <p:style>
-            <a:lnRef idx="2">
-              <a:schemeClr val="accent1">
-                <a:shade val="50000"/>
-              </a:schemeClr>
-            </a:lnRef>
-            <a:fillRef idx="1">
-              <a:schemeClr val="accent1"/>
-            </a:fillRef>
-            <a:effectRef idx="0">
-              <a:schemeClr val="accent1"/>
-            </a:effectRef>
-            <a:fontRef idx="minor">
-              <a:schemeClr val="lt1"/>
-            </a:fontRef>
-          </p:style>
-          <p:txBody>
-            <a:bodyPr rtlCol="0" anchor="ctr"/>
-            <a:lstStyle/>
-            <a:p>
-              <a:pPr algn="ctr"/>
-              <a:endParaRPr lang="ko-KR" altLang="en-US"/>
-            </a:p>
-          </p:txBody>
-        </p:sp>
-      </p:grpSp>
-      <p:sp>
-        <p:nvSpPr>
-          <p:cNvPr id="2" name="TextBox 1">
-            <a:extLst>
-              <a:ext uri="{FF2B5EF4-FFF2-40B4-BE49-F238E27FC236}">
-                <a16:creationId xmlns:a16="http://schemas.microsoft.com/office/drawing/2014/main" id="{435979CB-D59E-88B4-8A19-AF2C3018A07B}"/>
-              </a:ext>
-            </a:extLst>
-          </p:cNvPr>
-          <p:cNvSpPr txBox="1"/>
-          <p:nvPr/>
-        </p:nvSpPr>
-        <p:spPr>
-          <a:xfrm>
-            <a:off x="1654628" y="1418195"/>
-            <a:ext cx="6444342" cy="2585323"/>
-          </a:xfrm>
-          <a:prstGeom prst="rect">
-            <a:avLst/>
-          </a:prstGeom>
-          <a:noFill/>
-        </p:spPr>
-        <p:txBody>
-          <a:bodyPr wrap="square" rtlCol="0">
-            <a:spAutoFit/>
-          </a:bodyPr>
-          <a:lstStyle/>
-          <a:p>
-            <a:r>
-              <a:rPr lang="ko-KR" altLang="en-US" dirty="0"/>
-              <a:t>문서 객체의 종류 </a:t>
-            </a:r>
-            <a:endParaRPr lang="en-US" altLang="ko-KR" dirty="0"/>
-          </a:p>
-          <a:p>
-            <a:endParaRPr lang="en-US" altLang="ko-KR" dirty="0"/>
-          </a:p>
-          <a:p>
-            <a:r>
-              <a:rPr lang="ko-KR" altLang="en-US" dirty="0"/>
-              <a:t>정적 문서 객체</a:t>
-            </a:r>
-            <a:r>
-              <a:rPr lang="en-US" altLang="ko-KR" dirty="0"/>
-              <a:t>? </a:t>
-            </a:r>
-          </a:p>
-          <a:p>
-            <a:r>
-              <a:rPr lang="en-US" altLang="ko-KR" dirty="0"/>
-              <a:t>	</a:t>
-            </a:r>
-            <a:r>
-              <a:rPr lang="ko-KR" altLang="en-US" dirty="0"/>
-              <a:t>원본 </a:t>
-            </a:r>
-            <a:r>
-              <a:rPr lang="en-US" altLang="ko-KR" dirty="0"/>
-              <a:t>html </a:t>
-            </a:r>
-            <a:r>
-              <a:rPr lang="ko-KR" altLang="en-US" dirty="0"/>
-              <a:t>문서에 있는 객체들 </a:t>
-            </a:r>
-            <a:r>
-              <a:rPr lang="en-US" altLang="ko-KR" dirty="0"/>
-              <a:t> </a:t>
-            </a:r>
-          </a:p>
-          <a:p>
-            <a:endParaRPr lang="en-US" altLang="ko-KR" dirty="0"/>
-          </a:p>
-          <a:p>
-            <a:r>
-              <a:rPr lang="ko-KR" altLang="en-US" dirty="0"/>
-              <a:t>동적 문서 객체</a:t>
-            </a:r>
-            <a:r>
-              <a:rPr lang="en-US" altLang="ko-KR" dirty="0"/>
-              <a:t>? </a:t>
-            </a:r>
-          </a:p>
-          <a:p>
-            <a:r>
-              <a:rPr lang="en-US" altLang="ko-KR" dirty="0"/>
-              <a:t>	DOM</a:t>
-            </a:r>
-            <a:r>
-              <a:rPr lang="ko-KR" altLang="en-US" dirty="0"/>
-              <a:t>으로 생성한 객체들</a:t>
-            </a:r>
-            <a:r>
-              <a:rPr lang="en-US" altLang="ko-KR" dirty="0"/>
-              <a:t>.</a:t>
-            </a:r>
-          </a:p>
-          <a:p>
-            <a:r>
-              <a:rPr lang="en-US" altLang="ko-KR" dirty="0"/>
-              <a:t>	 </a:t>
-            </a:r>
-          </a:p>
-          <a:p>
-            <a:r>
-              <a:rPr lang="en-US" altLang="ko-KR" dirty="0"/>
-              <a:t>	</a:t>
-            </a:r>
-            <a:endParaRPr lang="ko-KR" altLang="en-US" dirty="0"/>
-          </a:p>
-        </p:txBody>
-      </p:sp>
-      <p:pic>
-        <p:nvPicPr>
-          <p:cNvPr id="6" name="그림 5">
-            <a:extLst>
-              <a:ext uri="{FF2B5EF4-FFF2-40B4-BE49-F238E27FC236}">
-                <a16:creationId xmlns:a16="http://schemas.microsoft.com/office/drawing/2014/main" id="{46988A60-78F9-15C5-B2F3-5CAC6857C674}"/>
-              </a:ext>
-            </a:extLst>
-          </p:cNvPr>
-          <p:cNvPicPr>
-            <a:picLocks noChangeAspect="1"/>
-          </p:cNvPicPr>
-          <p:nvPr/>
-        </p:nvPicPr>
-        <p:blipFill>
-          <a:blip r:embed="rId2"/>
-          <a:stretch>
-            <a:fillRect/>
-          </a:stretch>
-        </p:blipFill>
-        <p:spPr>
-          <a:xfrm>
-            <a:off x="990008" y="3718217"/>
-            <a:ext cx="5642819" cy="2312254"/>
-          </a:xfrm>
-          <a:prstGeom prst="rect">
-            <a:avLst/>
-          </a:prstGeom>
-        </p:spPr>
-      </p:pic>
-      <p:pic>
-        <p:nvPicPr>
-          <p:cNvPr id="9" name="그림 8">
-            <a:extLst>
-              <a:ext uri="{FF2B5EF4-FFF2-40B4-BE49-F238E27FC236}">
-                <a16:creationId xmlns:a16="http://schemas.microsoft.com/office/drawing/2014/main" id="{94EB03DA-B243-0DAB-3903-681F3AC14AAA}"/>
-              </a:ext>
-            </a:extLst>
-          </p:cNvPr>
-          <p:cNvPicPr>
-            <a:picLocks noChangeAspect="1"/>
-          </p:cNvPicPr>
-          <p:nvPr/>
-        </p:nvPicPr>
-        <p:blipFill>
-          <a:blip r:embed="rId3"/>
-          <a:stretch>
-            <a:fillRect/>
-          </a:stretch>
-        </p:blipFill>
-        <p:spPr>
-          <a:xfrm>
-            <a:off x="6823815" y="3781434"/>
-            <a:ext cx="4801803" cy="2249037"/>
-          </a:xfrm>
-          <a:prstGeom prst="rect">
-            <a:avLst/>
-          </a:prstGeom>
-        </p:spPr>
-      </p:pic>
-    </p:spTree>
-    <p:extLst>
-      <p:ext uri="{BB962C8B-B14F-4D97-AF65-F5344CB8AC3E}">
-        <p14:creationId xmlns:p14="http://schemas.microsoft.com/office/powerpoint/2010/main" val="3269242908"/>
       </p:ext>
     </p:extLst>
   </p:cSld>
@@ -27077,7 +27063,7 @@
         <p:spPr>
           <a:xfrm>
             <a:off x="1373851" y="1196005"/>
-            <a:ext cx="9336428" cy="7325082"/>
+            <a:ext cx="9336428" cy="8433078"/>
           </a:xfrm>
           <a:prstGeom prst="rect">
             <a:avLst/>
@@ -27789,6 +27775,40 @@
                 <a:srgbClr val="575757"/>
               </a:solidFill>
               <a:effectLst/>
+              <a:latin typeface="notokr"/>
+            </a:endParaRPr>
+          </a:p>
+          <a:p>
+            <a:endParaRPr lang="en-US" altLang="ko-KR" b="0" i="0" dirty="0">
+              <a:solidFill>
+                <a:srgbClr val="575757"/>
+              </a:solidFill>
+              <a:effectLst/>
+              <a:latin typeface="notokr"/>
+            </a:endParaRPr>
+          </a:p>
+          <a:p>
+            <a:endParaRPr lang="en-US" altLang="ko-KR" dirty="0">
+              <a:solidFill>
+                <a:srgbClr val="575757"/>
+              </a:solidFill>
+              <a:latin typeface="notokr"/>
+            </a:endParaRPr>
+          </a:p>
+          <a:p>
+            <a:endParaRPr lang="en-US" altLang="ko-KR" b="0" i="0" dirty="0">
+              <a:solidFill>
+                <a:srgbClr val="575757"/>
+              </a:solidFill>
+              <a:effectLst/>
+              <a:latin typeface="notokr"/>
+            </a:endParaRPr>
+          </a:p>
+          <a:p>
+            <a:endParaRPr lang="en-US" altLang="ko-KR" dirty="0">
+              <a:solidFill>
+                <a:srgbClr val="575757"/>
+              </a:solidFill>
               <a:latin typeface="notokr"/>
             </a:endParaRPr>
           </a:p>
@@ -35128,7 +35148,7 @@
         <p:spPr>
           <a:xfrm>
             <a:off x="1894113" y="1611086"/>
-            <a:ext cx="8865591" cy="8125301"/>
+            <a:ext cx="8865591" cy="8402300"/>
           </a:xfrm>
           <a:prstGeom prst="rect">
             <a:avLst/>
@@ -35315,6 +35335,13 @@
               <a:rPr lang="ko-KR" altLang="en-US" dirty="0"/>
               <a:t> </a:t>
             </a:r>
+            <a:endParaRPr lang="en-US" altLang="ko-KR" dirty="0"/>
+          </a:p>
+          <a:p>
+            <a:pPr marL="742950" lvl="1" indent="-285750">
+              <a:buFontTx/>
+              <a:buChar char="-"/>
+            </a:pPr>
             <a:endParaRPr lang="en-US" altLang="ko-KR" dirty="0"/>
           </a:p>
           <a:p>
@@ -36466,8 +36493,8 @@
         </p:nvSpPr>
         <p:spPr>
           <a:xfrm>
-            <a:off x="990008" y="1138488"/>
-            <a:ext cx="10758895" cy="4924425"/>
+            <a:off x="1180996" y="1559108"/>
+            <a:ext cx="10758895" cy="3693319"/>
           </a:xfrm>
           <a:prstGeom prst="rect">
             <a:avLst/>
@@ -36482,7 +36509,15 @@
           <a:p>
             <a:r>
               <a:rPr lang="en-US" altLang="ko-KR" sz="2400" b="1" dirty="0"/>
-              <a:t>DOM??</a:t>
+              <a:t>DOM </a:t>
+            </a:r>
+            <a:r>
+              <a:rPr lang="ko-KR" altLang="en-US" sz="2400" b="1" dirty="0"/>
+              <a:t>정의와 특징 </a:t>
+            </a:r>
+            <a:r>
+              <a:rPr lang="en-US" altLang="ko-KR" sz="2400" b="1" dirty="0"/>
+              <a:t>??</a:t>
             </a:r>
           </a:p>
           <a:p>
@@ -36509,26 +36544,51 @@
               <a:rPr lang="ko-KR" altLang="en-US" sz="1600" dirty="0"/>
               <a:t> </a:t>
             </a:r>
+            <a:endParaRPr lang="en-US" altLang="ko-KR" sz="1600" dirty="0"/>
+          </a:p>
+          <a:p>
+            <a:endParaRPr lang="en-US" altLang="ko-KR" sz="1600" dirty="0"/>
+          </a:p>
+          <a:p>
+            <a:pPr marL="285750" indent="-285750">
+              <a:buFont typeface="Arial" panose="020B0604020202020204" pitchFamily="34" charset="0"/>
+              <a:buChar char="•"/>
+            </a:pPr>
             <a:r>
               <a:rPr lang="en-US" altLang="ko-KR" sz="1600" dirty="0"/>
-              <a:t>(document</a:t>
+              <a:t>Html </a:t>
             </a:r>
             <a:r>
               <a:rPr lang="ko-KR" altLang="en-US" sz="1600" dirty="0"/>
-              <a:t>는 </a:t>
-            </a:r>
+              <a:t>코드를 해석해서 요소들을 트리 형태로 구조화해 표현하는 형식</a:t>
+            </a:r>
+            <a:endParaRPr lang="en-US" altLang="ko-KR" sz="1600" dirty="0"/>
+          </a:p>
+          <a:p>
+            <a:pPr marL="285750" indent="-285750">
+              <a:buFont typeface="Arial" panose="020B0604020202020204" pitchFamily="34" charset="0"/>
+              <a:buChar char="•"/>
+            </a:pPr>
             <a:r>
               <a:rPr lang="en-US" altLang="ko-KR" sz="1600" dirty="0"/>
-              <a:t>html </a:t>
+              <a:t>Node, property, method</a:t>
             </a:r>
             <a:r>
               <a:rPr lang="ko-KR" altLang="en-US" sz="1600" dirty="0"/>
-              <a:t>을 의미</a:t>
-            </a:r>
-            <a:r>
-              <a:rPr lang="en-US" altLang="ko-KR" sz="1600" dirty="0"/>
-              <a:t>)</a:t>
-            </a:r>
+              <a:t>를 갖는 객체 </a:t>
+            </a:r>
+            <a:endParaRPr lang="en-US" altLang="ko-KR" sz="1600" dirty="0"/>
+          </a:p>
+          <a:p>
+            <a:pPr marL="285750" indent="-285750">
+              <a:buFont typeface="Arial" panose="020B0604020202020204" pitchFamily="34" charset="0"/>
+              <a:buChar char="•"/>
+            </a:pPr>
+            <a:r>
+              <a:rPr lang="ko-KR" altLang="en-US" sz="1600" dirty="0"/>
+              <a:t>웹페이지가 브라우저 안에서 화면에 나타나고 기능들을 수행할 객체들로 실체화된 형태</a:t>
+            </a:r>
+            <a:endParaRPr lang="en-US" altLang="ko-KR" sz="1600" dirty="0"/>
           </a:p>
           <a:p>
             <a:pPr marL="285750" indent="-285750">
@@ -36543,16 +36603,12 @@
               <a:buChar char="•"/>
             </a:pPr>
             <a:r>
-              <a:rPr lang="ko-KR" altLang="en-US" sz="1600" dirty="0"/>
-              <a:t>브라우저는 렌더링 엔진을 사용해 </a:t>
-            </a:r>
-            <a:r>
               <a:rPr lang="en-US" altLang="ko-KR" sz="1600" dirty="0"/>
               <a:t>HTML </a:t>
             </a:r>
             <a:r>
               <a:rPr lang="ko-KR" altLang="en-US" sz="1600" dirty="0"/>
-              <a:t>문서를 읽고</a:t>
+              <a:t>문서의 요소를 제어하기 위해서 지원됨 </a:t>
             </a:r>
             <a:r>
               <a:rPr lang="en-US" altLang="ko-KR" sz="1600" dirty="0"/>
@@ -36560,49 +36616,36 @@
             </a:r>
             <a:r>
               <a:rPr lang="ko-KR" altLang="en-US" sz="1600" dirty="0"/>
-              <a:t>로드하고</a:t>
+              <a:t>문서의 내용</a:t>
             </a:r>
             <a:r>
               <a:rPr lang="en-US" altLang="ko-KR" sz="1600" dirty="0"/>
-              <a:t>) </a:t>
+              <a:t>, </a:t>
             </a:r>
             <a:r>
               <a:rPr lang="ko-KR" altLang="en-US" sz="1600" dirty="0"/>
-              <a:t>해석</a:t>
+              <a:t>구조</a:t>
             </a:r>
             <a:r>
               <a:rPr lang="en-US" altLang="ko-KR" sz="1600" dirty="0"/>
-              <a:t>(</a:t>
+              <a:t>, </a:t>
             </a:r>
             <a:r>
               <a:rPr lang="ko-KR" altLang="en-US" sz="1600" dirty="0"/>
-              <a:t>파싱</a:t>
+              <a:t>스타일에 접근</a:t>
             </a:r>
             <a:r>
               <a:rPr lang="en-US" altLang="ko-KR" sz="1600" dirty="0"/>
-              <a:t>) -&gt; HTML</a:t>
+              <a:t>,</a:t>
             </a:r>
             <a:r>
               <a:rPr lang="ko-KR" altLang="en-US" sz="1600" dirty="0"/>
-              <a:t>문서를 객체화</a:t>
+              <a:t> 변경</a:t>
             </a:r>
             <a:r>
               <a:rPr lang="en-US" altLang="ko-KR" sz="1600" dirty="0"/>
-              <a:t>(DOM) </a:t>
-            </a:r>
-            <a:r>
-              <a:rPr lang="ko-KR" altLang="en-US" sz="1600" dirty="0"/>
-              <a:t>하고 </a:t>
-            </a:r>
-            <a:r>
-              <a:rPr lang="en-US" altLang="ko-KR" sz="1600" dirty="0"/>
-              <a:t>DOM </a:t>
-            </a:r>
-            <a:r>
-              <a:rPr lang="ko-KR" altLang="en-US" sz="1600" dirty="0"/>
-              <a:t>트리로 만든 다음 웹화면에 렌더링 </a:t>
-            </a:r>
-            <a:endParaRPr lang="en-US" altLang="ko-KR" sz="1600" dirty="0"/>
+              <a:t>)</a:t>
+            </a:r>
           </a:p>
           <a:p>
             <a:pPr marL="285750" indent="-285750">
@@ -36617,12 +36660,8 @@
               <a:buChar char="•"/>
             </a:pPr>
             <a:r>
-              <a:rPr lang="en-US" altLang="ko-KR" sz="1600" dirty="0"/>
-              <a:t>Html </a:t>
-            </a:r>
-            <a:r>
               <a:rPr lang="ko-KR" altLang="en-US" sz="1600" dirty="0"/>
-              <a:t>코드를 해석해서 요소들을 트리 형태로 구조화해 표현하는 형식</a:t>
+              <a:t>특정언어에 종속되지 않음</a:t>
             </a:r>
             <a:endParaRPr lang="en-US" altLang="ko-KR" sz="1600" dirty="0"/>
           </a:p>
@@ -36632,189 +36671,6 @@
               <a:buChar char="•"/>
             </a:pPr>
             <a:r>
-              <a:rPr lang="en-US" altLang="ko-KR" sz="1600" dirty="0"/>
-              <a:t>Node, property, method</a:t>
-            </a:r>
-            <a:r>
-              <a:rPr lang="ko-KR" altLang="en-US" sz="1600" dirty="0"/>
-              <a:t>를 갖는 객체 </a:t>
-            </a:r>
-            <a:endParaRPr lang="en-US" altLang="ko-KR" sz="1600" dirty="0"/>
-          </a:p>
-          <a:p>
-            <a:pPr marL="285750" indent="-285750">
-              <a:buFont typeface="Arial" panose="020B0604020202020204" pitchFamily="34" charset="0"/>
-              <a:buChar char="•"/>
-            </a:pPr>
-            <a:r>
-              <a:rPr lang="ko-KR" altLang="en-US" sz="1600" dirty="0"/>
-              <a:t>코드로 설계된 웹페이지가 브라우저 안에서 화면에 나타나고 이벤트에 반응하고 값을 </a:t>
-            </a:r>
-            <a:r>
-              <a:rPr lang="ko-KR" altLang="en-US" sz="1600" dirty="0" err="1"/>
-              <a:t>입력받는</a:t>
-            </a:r>
-            <a:r>
-              <a:rPr lang="ko-KR" altLang="en-US" sz="1600" dirty="0"/>
-              <a:t> 등 기능들을 수행할 객체들로 실체화된 형태</a:t>
-            </a:r>
-            <a:endParaRPr lang="en-US" altLang="ko-KR" sz="1600" dirty="0"/>
-          </a:p>
-          <a:p>
-            <a:pPr marL="285750" indent="-285750">
-              <a:buFont typeface="Arial" panose="020B0604020202020204" pitchFamily="34" charset="0"/>
-              <a:buChar char="•"/>
-            </a:pPr>
-            <a:endParaRPr lang="en-US" altLang="ko-KR" sz="1600" dirty="0"/>
-          </a:p>
-          <a:p>
-            <a:pPr marL="285750" indent="-285750">
-              <a:buFont typeface="Arial" panose="020B0604020202020204" pitchFamily="34" charset="0"/>
-              <a:buChar char="•"/>
-            </a:pPr>
-            <a:r>
-              <a:rPr lang="en-US" altLang="ko-KR" sz="1600" dirty="0"/>
-              <a:t>HTML </a:t>
-            </a:r>
-            <a:r>
-              <a:rPr lang="ko-KR" altLang="en-US" sz="1600" dirty="0"/>
-              <a:t>문서의 요소를 제어하기 위해서 지원됨 </a:t>
-            </a:r>
-            <a:r>
-              <a:rPr lang="en-US" altLang="ko-KR" sz="1600" dirty="0"/>
-              <a:t>(</a:t>
-            </a:r>
-            <a:r>
-              <a:rPr lang="ko-KR" altLang="en-US" sz="1600" dirty="0"/>
-              <a:t>문서의 내용</a:t>
-            </a:r>
-            <a:r>
-              <a:rPr lang="en-US" altLang="ko-KR" sz="1600" dirty="0"/>
-              <a:t>, </a:t>
-            </a:r>
-            <a:r>
-              <a:rPr lang="ko-KR" altLang="en-US" sz="1600" dirty="0"/>
-              <a:t>구조</a:t>
-            </a:r>
-            <a:r>
-              <a:rPr lang="en-US" altLang="ko-KR" sz="1600" dirty="0"/>
-              <a:t>, </a:t>
-            </a:r>
-            <a:r>
-              <a:rPr lang="ko-KR" altLang="en-US" sz="1600" dirty="0"/>
-              <a:t>스타일에 접근</a:t>
-            </a:r>
-            <a:r>
-              <a:rPr lang="en-US" altLang="ko-KR" sz="1600" dirty="0"/>
-              <a:t>,</a:t>
-            </a:r>
-            <a:r>
-              <a:rPr lang="ko-KR" altLang="en-US" sz="1600" dirty="0"/>
-              <a:t> 변경</a:t>
-            </a:r>
-            <a:r>
-              <a:rPr lang="en-US" altLang="ko-KR" sz="1600" dirty="0"/>
-              <a:t>)</a:t>
-            </a:r>
-          </a:p>
-          <a:p>
-            <a:pPr marL="285750" indent="-285750">
-              <a:buFont typeface="Arial" panose="020B0604020202020204" pitchFamily="34" charset="0"/>
-              <a:buChar char="•"/>
-            </a:pPr>
-            <a:endParaRPr lang="en-US" altLang="ko-KR" sz="1600" dirty="0"/>
-          </a:p>
-          <a:p>
-            <a:pPr marL="285750" indent="-285750">
-              <a:buFont typeface="Arial" panose="020B0604020202020204" pitchFamily="34" charset="0"/>
-              <a:buChar char="•"/>
-            </a:pPr>
-            <a:r>
-              <a:rPr lang="ko-KR" altLang="en-US" sz="1600" dirty="0"/>
-              <a:t>자바스크립트 객체 </a:t>
-            </a:r>
-            <a:r>
-              <a:rPr lang="en-US" altLang="ko-KR" sz="1600" dirty="0"/>
-              <a:t>X, </a:t>
-            </a:r>
-            <a:r>
-              <a:rPr lang="ko-KR" altLang="en-US" sz="1600" dirty="0"/>
-              <a:t>특정언어에 종속되지 않음</a:t>
-            </a:r>
-            <a:r>
-              <a:rPr lang="en-US" altLang="ko-KR" sz="1600" dirty="0"/>
-              <a:t>. (</a:t>
-            </a:r>
-            <a:r>
-              <a:rPr lang="ko-KR" altLang="en-US" sz="1600" dirty="0"/>
-              <a:t>파이썬 </a:t>
-            </a:r>
-            <a:r>
-              <a:rPr lang="en-US" altLang="ko-KR" sz="1600" dirty="0"/>
-              <a:t>beautiful soup</a:t>
-            </a:r>
-            <a:r>
-              <a:rPr lang="ko-KR" altLang="en-US" sz="1600" dirty="0"/>
-              <a:t>으로도 조작 가능</a:t>
-            </a:r>
-            <a:r>
-              <a:rPr lang="en-US" altLang="ko-KR" sz="1600" dirty="0"/>
-              <a:t>)</a:t>
-            </a:r>
-          </a:p>
-          <a:p>
-            <a:pPr marL="285750" indent="-285750">
-              <a:buFont typeface="Arial" panose="020B0604020202020204" pitchFamily="34" charset="0"/>
-              <a:buChar char="•"/>
-            </a:pPr>
-            <a:r>
-              <a:rPr lang="ko-KR" altLang="en-US" sz="1600" dirty="0"/>
-              <a:t>라이브러리만 갖고 있으면 </a:t>
-            </a:r>
-            <a:r>
-              <a:rPr lang="en-US" altLang="ko-KR" sz="1600" dirty="0"/>
-              <a:t>DOM </a:t>
-            </a:r>
-            <a:r>
-              <a:rPr lang="ko-KR" altLang="en-US" sz="1600" dirty="0"/>
-              <a:t>조작가능 </a:t>
-            </a:r>
-            <a:r>
-              <a:rPr lang="en-US" altLang="ko-KR" sz="1600" dirty="0"/>
-              <a:t>-&gt;</a:t>
-            </a:r>
-            <a:r>
-              <a:rPr lang="ko-KR" altLang="en-US" sz="1600" dirty="0"/>
-              <a:t>이유</a:t>
-            </a:r>
-            <a:r>
-              <a:rPr lang="en-US" altLang="ko-KR" sz="1600" dirty="0"/>
-              <a:t>? </a:t>
-            </a:r>
-            <a:r>
-              <a:rPr lang="ko-KR" altLang="en-US" sz="1600" dirty="0"/>
-              <a:t>돔이 </a:t>
-            </a:r>
-            <a:r>
-              <a:rPr lang="en-US" altLang="ko-KR" sz="1600" dirty="0" err="1"/>
-              <a:t>api</a:t>
-            </a:r>
-            <a:r>
-              <a:rPr lang="ko-KR" altLang="en-US" sz="1600" dirty="0" err="1"/>
-              <a:t>를</a:t>
-            </a:r>
-            <a:r>
-              <a:rPr lang="ko-KR" altLang="en-US" sz="1600" dirty="0"/>
-              <a:t> 갖고 있음 </a:t>
-            </a:r>
-            <a:endParaRPr lang="en-US" altLang="ko-KR" sz="1600" dirty="0"/>
-          </a:p>
-          <a:p>
-            <a:pPr marL="285750" indent="-285750">
-              <a:buFont typeface="Arial" panose="020B0604020202020204" pitchFamily="34" charset="0"/>
-              <a:buChar char="•"/>
-            </a:pPr>
-            <a:r>
               <a:rPr lang="ko-KR" altLang="en-US" sz="1600" dirty="0"/>
               <a:t>어떤 </a:t>
             </a:r>
@@ -36833,14 +36689,6 @@
             <a:r>
               <a:rPr lang="ko-KR" altLang="en-US" sz="1600" dirty="0"/>
               <a:t> 조작 가능 </a:t>
-            </a:r>
-            <a:r>
-              <a:rPr lang="en-US" altLang="ko-KR" sz="1600" dirty="0"/>
-              <a:t>– </a:t>
-            </a:r>
-            <a:r>
-              <a:rPr lang="ko-KR" altLang="en-US" sz="1600" dirty="0"/>
-              <a:t>돔은 트리구조로 이루어짐</a:t>
             </a:r>
             <a:endParaRPr lang="en-US" altLang="ko-KR" sz="1600" dirty="0"/>
           </a:p>
@@ -37520,7 +37368,7 @@
         <p:spPr>
           <a:xfrm>
             <a:off x="2020528" y="1548581"/>
-            <a:ext cx="7964129" cy="369332"/>
+            <a:ext cx="7964129" cy="400110"/>
           </a:xfrm>
           <a:prstGeom prst="rect">
             <a:avLst/>
@@ -37534,10 +37382,10 @@
           <a:lstStyle/>
           <a:p>
             <a:r>
-              <a:rPr lang="ko-KR" altLang="en-US" dirty="0"/>
+              <a:rPr lang="ko-KR" altLang="en-US" sz="2000" b="1" dirty="0"/>
               <a:t>돔 트리 구조</a:t>
             </a:r>
-            <a:endParaRPr lang="en-US" altLang="ko-KR" dirty="0"/>
+            <a:endParaRPr lang="en-US" altLang="ko-KR" sz="2000" b="1" dirty="0"/>
           </a:p>
         </p:txBody>
       </p:sp>
@@ -38261,7 +38109,7 @@
         </p:nvSpPr>
         <p:spPr>
           <a:xfrm>
-            <a:off x="1320223" y="6858000"/>
+            <a:off x="979020" y="6858000"/>
             <a:ext cx="9833740" cy="5539978"/>
           </a:xfrm>
           <a:prstGeom prst="rect">
@@ -39778,14 +39626,14 @@
           <p:nvPr>
             <p:extLst>
               <p:ext uri="{D42A27DB-BD31-4B8C-83A1-F6EECF244321}">
-                <p14:modId xmlns:p14="http://schemas.microsoft.com/office/powerpoint/2010/main" val="723443986"/>
+                <p14:modId xmlns:p14="http://schemas.microsoft.com/office/powerpoint/2010/main" val="3345665248"/>
               </p:ext>
             </p:extLst>
           </p:nvPr>
         </p:nvGraphicFramePr>
         <p:xfrm>
           <a:off x="1349717" y="1316596"/>
-          <a:ext cx="9522060" cy="4359166"/>
+          <a:ext cx="9522060" cy="4125777"/>
         </p:xfrm>
         <a:graphic>
           <a:graphicData uri="http://schemas.openxmlformats.org/drawingml/2006/table">
@@ -39956,7 +39804,7 @@
                   </a:ext>
                 </a:extLst>
               </a:tr>
-              <a:tr h="762263">
+              <a:tr h="528874">
                 <a:tc>
                   <a:txBody>
                     <a:bodyPr/>
@@ -41032,7 +40880,7 @@
           </a:p>
           <a:p>
             <a:r>
-              <a:rPr lang="en-US" altLang="ko-KR" b="1" i="0" dirty="0">
+              <a:rPr lang="en-US" altLang="ko-KR" i="0" dirty="0">
                 <a:solidFill>
                   <a:srgbClr val="202124"/>
                 </a:solidFill>
@@ -41042,27 +40890,36 @@
               <a:t>DOM</a:t>
             </a:r>
             <a:r>
-              <a:rPr lang="ko-KR" altLang="en-US" b="0" i="0" dirty="0">
+              <a:rPr lang="en-US" altLang="ko-KR" dirty="0">
                 <a:solidFill>
                   <a:srgbClr val="202124"/>
                 </a:solidFill>
-                <a:effectLst/>
                 <a:latin typeface="Apple SD Gothic Neo"/>
               </a:rPr>
-              <a:t>은 이 트리구조인 </a:t>
-            </a:r>
-            <a:r>
-              <a:rPr lang="en-US" altLang="ko-KR" b="0" i="0" dirty="0">
+              <a:t>:</a:t>
+            </a:r>
+            <a:r>
+              <a:rPr lang="ko-KR" altLang="en-US" i="0" dirty="0">
                 <a:solidFill>
                   <a:srgbClr val="202124"/>
                 </a:solidFill>
                 <a:effectLst/>
                 <a:latin typeface="Apple SD Gothic Neo"/>
               </a:rPr>
+              <a:t> 이 트리구조인 </a:t>
+            </a:r>
+            <a:r>
+              <a:rPr lang="en-US" altLang="ko-KR" i="0" dirty="0">
+                <a:solidFill>
+                  <a:srgbClr val="202124"/>
+                </a:solidFill>
+                <a:effectLst/>
+                <a:latin typeface="Apple SD Gothic Neo"/>
+              </a:rPr>
               <a:t>HTML </a:t>
             </a:r>
             <a:r>
-              <a:rPr lang="ko-KR" altLang="en-US" b="0" i="0" dirty="0">
+              <a:rPr lang="ko-KR" altLang="en-US" i="0" dirty="0">
                 <a:solidFill>
                   <a:srgbClr val="202124"/>
                 </a:solidFill>
@@ -41072,7 +40929,7 @@
               <a:t>태그 구조를 데이터 구조로 표현한 것</a:t>
             </a:r>
             <a:r>
-              <a:rPr lang="en-US" altLang="ko-KR" b="0" i="0" dirty="0">
+              <a:rPr lang="en-US" altLang="ko-KR" i="0" dirty="0">
                 <a:solidFill>
                   <a:srgbClr val="202124"/>
                 </a:solidFill>
@@ -41092,27 +40949,26 @@
           </a:p>
           <a:p>
             <a:r>
-              <a:rPr lang="ko-KR" altLang="en-US" b="1" i="0" dirty="0">
+              <a:rPr lang="en-US" altLang="ko-KR" dirty="0">
                 <a:solidFill>
                   <a:srgbClr val="202124"/>
                 </a:solidFill>
-                <a:effectLst/>
                 <a:latin typeface="Apple SD Gothic Neo"/>
               </a:rPr>
-              <a:t>노드</a:t>
-            </a:r>
-            <a:r>
-              <a:rPr lang="en-US" altLang="ko-KR" b="1" i="0" dirty="0">
+              <a:t>NODE:</a:t>
+            </a:r>
+            <a:r>
+              <a:rPr lang="en-US" altLang="ko-KR" i="0" dirty="0">
                 <a:solidFill>
                   <a:srgbClr val="202124"/>
                 </a:solidFill>
                 <a:effectLst/>
                 <a:latin typeface="Apple SD Gothic Neo"/>
               </a:rPr>
-              <a:t>: DOM</a:t>
-            </a:r>
-            <a:r>
-              <a:rPr lang="ko-KR" altLang="en-US" b="0" i="0" dirty="0">
+              <a:t> DOM</a:t>
+            </a:r>
+            <a:r>
+              <a:rPr lang="ko-KR" altLang="en-US" i="0" dirty="0">
                 <a:solidFill>
                   <a:srgbClr val="202124"/>
                 </a:solidFill>
@@ -41122,7 +40978,7 @@
               <a:t> 에서는 </a:t>
             </a:r>
             <a:r>
-              <a:rPr lang="en-US" altLang="ko-KR" b="0" i="0" dirty="0">
+              <a:rPr lang="en-US" altLang="ko-KR" i="0" dirty="0">
                 <a:solidFill>
                   <a:srgbClr val="202124"/>
                 </a:solidFill>
@@ -41132,7 +40988,7 @@
               <a:t>HTML</a:t>
             </a:r>
             <a:r>
-              <a:rPr lang="ko-KR" altLang="en-US" b="0" i="0" dirty="0">
+              <a:rPr lang="ko-KR" altLang="en-US" i="0" dirty="0">
                 <a:solidFill>
                   <a:srgbClr val="202124"/>
                 </a:solidFill>
@@ -41142,7 +40998,7 @@
               <a:t>의 태그 </a:t>
             </a:r>
             <a:r>
-              <a:rPr lang="en-US" altLang="ko-KR" b="0" i="0" dirty="0">
+              <a:rPr lang="en-US" altLang="ko-KR" i="0" dirty="0">
                 <a:solidFill>
                   <a:srgbClr val="202124"/>
                 </a:solidFill>
@@ -41152,16 +41008,16 @@
               <a:t>1</a:t>
             </a:r>
             <a:r>
-              <a:rPr lang="ko-KR" altLang="en-US" b="0" i="0" dirty="0">
+              <a:rPr lang="ko-KR" altLang="en-US" i="0" dirty="0">
                 <a:solidFill>
                   <a:srgbClr val="202124"/>
                 </a:solidFill>
                 <a:effectLst/>
                 <a:latin typeface="Apple SD Gothic Neo"/>
               </a:rPr>
-              <a:t>개에 해당하는 것을 </a:t>
-            </a:r>
-            <a:endParaRPr lang="en-US" altLang="ko-KR" b="0" i="0" dirty="0">
+              <a:t>개에 해당하는 것</a:t>
+            </a:r>
+            <a:endParaRPr lang="en-US" altLang="ko-KR" i="0" dirty="0">
               <a:solidFill>
                 <a:srgbClr val="202124"/>
               </a:solidFill>
@@ -41179,94 +41035,44 @@
           </a:p>
           <a:p>
             <a:r>
-              <a:rPr lang="ko-KR" altLang="en-US" b="1" i="0" dirty="0">
+              <a:rPr lang="en-US" altLang="ko-KR" i="0" dirty="0">
                 <a:solidFill>
                   <a:srgbClr val="202124"/>
                 </a:solidFill>
                 <a:effectLst/>
                 <a:latin typeface="Apple SD Gothic Neo"/>
               </a:rPr>
-              <a:t>노드</a:t>
-            </a:r>
-            <a:r>
-              <a:rPr lang="ko-KR" altLang="en-US" b="0" i="0" dirty="0">
+              <a:t>Node</a:t>
+            </a:r>
+            <a:r>
+              <a:rPr lang="ko-KR" altLang="en-US" i="0" dirty="0">
                 <a:solidFill>
                   <a:srgbClr val="202124"/>
                 </a:solidFill>
                 <a:effectLst/>
                 <a:latin typeface="Apple SD Gothic Neo"/>
               </a:rPr>
-              <a:t> 트리</a:t>
-            </a:r>
-            <a:r>
-              <a:rPr lang="en-US" altLang="ko-KR" b="0" i="0" dirty="0">
+              <a:t> </a:t>
+            </a:r>
+            <a:r>
+              <a:rPr lang="en-US" altLang="ko-KR" i="0" dirty="0">
                 <a:solidFill>
                   <a:srgbClr val="202124"/>
                 </a:solidFill>
                 <a:effectLst/>
                 <a:latin typeface="Apple SD Gothic Neo"/>
               </a:rPr>
-              <a:t>(</a:t>
-            </a:r>
-            <a:r>
-              <a:rPr lang="en-US" altLang="ko-KR" b="1" i="0" dirty="0">
+              <a:t>Tree: </a:t>
+            </a:r>
+            <a:r>
+              <a:rPr lang="ko-KR" altLang="en-US" i="0" dirty="0">
                 <a:solidFill>
                   <a:srgbClr val="202124"/>
                 </a:solidFill>
                 <a:effectLst/>
                 <a:latin typeface="Apple SD Gothic Neo"/>
               </a:rPr>
-              <a:t>Node</a:t>
-            </a:r>
-            <a:r>
-              <a:rPr lang="ko-KR" altLang="en-US" b="0" i="0" dirty="0">
-                <a:solidFill>
-                  <a:srgbClr val="202124"/>
-                </a:solidFill>
-                <a:effectLst/>
-                <a:latin typeface="Apple SD Gothic Neo"/>
-              </a:rPr>
-              <a:t> </a:t>
-            </a:r>
-            <a:r>
-              <a:rPr lang="en-US" altLang="ko-KR" b="0" i="0" dirty="0">
-                <a:solidFill>
-                  <a:srgbClr val="202124"/>
-                </a:solidFill>
-                <a:effectLst/>
-                <a:latin typeface="Apple SD Gothic Neo"/>
-              </a:rPr>
-              <a:t>Tree): </a:t>
-            </a:r>
-            <a:r>
-              <a:rPr lang="ko-KR" altLang="en-US" b="0" i="0" dirty="0">
-                <a:solidFill>
-                  <a:srgbClr val="202124"/>
-                </a:solidFill>
-                <a:effectLst/>
-                <a:latin typeface="Apple SD Gothic Neo"/>
-              </a:rPr>
-              <a:t>부모 자식 관계로 </a:t>
-            </a:r>
-            <a:r>
-              <a:rPr lang="ko-KR" altLang="en-US" b="1" i="0" dirty="0">
-                <a:solidFill>
-                  <a:srgbClr val="202124"/>
-                </a:solidFill>
-                <a:effectLst/>
-                <a:latin typeface="Apple SD Gothic Neo"/>
-              </a:rPr>
-              <a:t>노드</a:t>
-            </a:r>
-            <a:r>
-              <a:rPr lang="ko-KR" altLang="en-US" b="0" i="0" dirty="0">
-                <a:solidFill>
-                  <a:srgbClr val="202124"/>
-                </a:solidFill>
-                <a:effectLst/>
-                <a:latin typeface="Apple SD Gothic Neo"/>
-              </a:rPr>
-              <a:t>들을 트리 구조로 표현한 것</a:t>
+              <a:t>부모 자식 관계로 노드들을 트리 구조로 표현한 것</a:t>
             </a:r>
             <a:endParaRPr lang="en-US" altLang="ko-KR" dirty="0"/>
           </a:p>
